--- a/Publishments/03_Presentations/01_TeamPresentation.pptx
+++ b/Publishments/03_Presentations/01_TeamPresentation.pptx
@@ -134,6 +134,30 @@
 <file path=ppt/changesInfos/changesInfo1.xml><?xml version="1.0" encoding="utf-8"?>
 <pc:chgInfo xmlns:a="http://schemas.openxmlformats.org/drawingml/2006/main" xmlns:r="http://schemas.openxmlformats.org/officeDocument/2006/relationships" xmlns:ac="http://schemas.microsoft.com/office/drawing/2013/main/command" xmlns:pc="http://schemas.microsoft.com/office/powerpoint/2013/main/command">
   <pc:docChgLst>
+    <pc:chgData name="Moritz Spiller" userId="ee7d68fad518d8d2" providerId="LiveId" clId="{ADF8F89C-5D3F-4B4C-AD0C-8E399D11AB51}"/>
+    <pc:docChg chg="undo custSel addSld delSld modSld">
+      <pc:chgData name="Moritz Spiller" userId="ee7d68fad518d8d2" providerId="LiveId" clId="{ADF8F89C-5D3F-4B4C-AD0C-8E399D11AB51}" dt="2018-04-13T09:41:32.449" v="3" actId="478"/>
+      <pc:docMkLst>
+        <pc:docMk/>
+      </pc:docMkLst>
+      <pc:sldChg chg="addSp delSp modSp add del">
+        <pc:chgData name="Moritz Spiller" userId="ee7d68fad518d8d2" providerId="LiveId" clId="{ADF8F89C-5D3F-4B4C-AD0C-8E399D11AB51}" dt="2018-04-13T09:41:32.449" v="3" actId="478"/>
+        <pc:sldMkLst>
+          <pc:docMk/>
+          <pc:sldMk cId="4103309497" sldId="257"/>
+        </pc:sldMkLst>
+        <pc:picChg chg="add del mod">
+          <ac:chgData name="Moritz Spiller" userId="ee7d68fad518d8d2" providerId="LiveId" clId="{ADF8F89C-5D3F-4B4C-AD0C-8E399D11AB51}" dt="2018-04-13T09:41:32.449" v="3" actId="478"/>
+          <ac:picMkLst>
+            <pc:docMk/>
+            <pc:sldMk cId="4103309497" sldId="257"/>
+            <ac:picMk id="5" creationId="{8C18A098-47A5-48A4-BE38-BFC5E2711EC7}"/>
+          </ac:picMkLst>
+        </pc:picChg>
+      </pc:sldChg>
+    </pc:docChg>
+  </pc:docChgLst>
+  <pc:docChgLst>
     <pc:chgData name="Moritz Spiller" userId="ee7d68fad518d8d2" providerId="LiveId" clId="{69DC1DB7-35C5-485D-AD0B-5E207D2B09E6}"/>
     <pc:docChg chg="custSel addSld modSld">
       <pc:chgData name="Moritz Spiller" userId="ee7d68fad518d8d2" providerId="LiveId" clId="{69DC1DB7-35C5-485D-AD0B-5E207D2B09E6}" dt="2018-04-12T22:43:25.947" v="846" actId="14100"/>
@@ -196,7 +220,7 @@
         </pc:picChg>
       </pc:sldChg>
       <pc:sldChg chg="modTransition">
-        <pc:chgData name="Moritz Spiller" userId="ee7d68fad518d8d2" providerId="LiveId" clId="{69DC1DB7-35C5-485D-AD0B-5E207D2B09E6}" dt="2018-04-12T22:41:44.153" v="740"/>
+        <pc:chgData name="Moritz Spiller" userId="ee7d68fad518d8d2" providerId="LiveId" clId="{69DC1DB7-35C5-485D-AD0B-5E207D2B09E6}" dt="2018-04-12T22:41:44.153" v="740" actId="14100"/>
         <pc:sldMkLst>
           <pc:docMk/>
           <pc:sldMk cId="4170783713" sldId="258"/>

--- a/Publishments/03_Presentations/01_TeamPresentation.pptx
+++ b/Publishments/03_Presentations/01_TeamPresentation.pptx
@@ -12,8 +12,9 @@
     <p:sldId id="263" r:id="rId6"/>
     <p:sldId id="264" r:id="rId7"/>
     <p:sldId id="259" r:id="rId8"/>
-    <p:sldId id="258" r:id="rId9"/>
-    <p:sldId id="260" r:id="rId10"/>
+    <p:sldId id="265" r:id="rId9"/>
+    <p:sldId id="258" r:id="rId10"/>
+    <p:sldId id="260" r:id="rId11"/>
   </p:sldIdLst>
   <p:sldSz cx="9144000" cy="5143500" type="screen16x9"/>
   <p:notesSz cx="6858000" cy="9144000"/>
@@ -136,7 +137,7 @@
   <pc:docChgLst>
     <pc:chgData name="Moritz Spiller" userId="ee7d68fad518d8d2" providerId="LiveId" clId="{ADF8F89C-5D3F-4B4C-AD0C-8E399D11AB51}"/>
     <pc:docChg chg="undo custSel addSld delSld modSld">
-      <pc:chgData name="Moritz Spiller" userId="ee7d68fad518d8d2" providerId="LiveId" clId="{ADF8F89C-5D3F-4B4C-AD0C-8E399D11AB51}" dt="2018-04-13T09:41:32.449" v="3" actId="478"/>
+      <pc:chgData name="Moritz Spiller" userId="ee7d68fad518d8d2" providerId="LiveId" clId="{ADF8F89C-5D3F-4B4C-AD0C-8E399D11AB51}" dt="2018-04-13T10:48:43.256" v="296" actId="790"/>
       <pc:docMkLst>
         <pc:docMk/>
       </pc:docMkLst>
@@ -152,6 +153,105 @@
             <pc:docMk/>
             <pc:sldMk cId="4103309497" sldId="257"/>
             <ac:picMk id="5" creationId="{8C18A098-47A5-48A4-BE38-BFC5E2711EC7}"/>
+          </ac:picMkLst>
+        </pc:picChg>
+      </pc:sldChg>
+      <pc:sldChg chg="modSp">
+        <pc:chgData name="Moritz Spiller" userId="ee7d68fad518d8d2" providerId="LiveId" clId="{ADF8F89C-5D3F-4B4C-AD0C-8E399D11AB51}" dt="2018-04-13T10:48:43.256" v="296" actId="790"/>
+        <pc:sldMkLst>
+          <pc:docMk/>
+          <pc:sldMk cId="376984321" sldId="261"/>
+        </pc:sldMkLst>
+        <pc:spChg chg="mod">
+          <ac:chgData name="Moritz Spiller" userId="ee7d68fad518d8d2" providerId="LiveId" clId="{ADF8F89C-5D3F-4B4C-AD0C-8E399D11AB51}" dt="2018-04-13T10:48:43.256" v="296" actId="790"/>
+          <ac:spMkLst>
+            <pc:docMk/>
+            <pc:sldMk cId="376984321" sldId="261"/>
+            <ac:spMk id="3" creationId="{CBEAE9CC-6090-4015-8B98-899C9255FEA1}"/>
+          </ac:spMkLst>
+        </pc:spChg>
+      </pc:sldChg>
+      <pc:sldChg chg="modSp">
+        <pc:chgData name="Moritz Spiller" userId="ee7d68fad518d8d2" providerId="LiveId" clId="{ADF8F89C-5D3F-4B4C-AD0C-8E399D11AB51}" dt="2018-04-13T10:48:33.278" v="295" actId="790"/>
+        <pc:sldMkLst>
+          <pc:docMk/>
+          <pc:sldMk cId="3703689330" sldId="262"/>
+        </pc:sldMkLst>
+        <pc:spChg chg="mod">
+          <ac:chgData name="Moritz Spiller" userId="ee7d68fad518d8d2" providerId="LiveId" clId="{ADF8F89C-5D3F-4B4C-AD0C-8E399D11AB51}" dt="2018-04-13T10:48:33.278" v="295" actId="790"/>
+          <ac:spMkLst>
+            <pc:docMk/>
+            <pc:sldMk cId="3703689330" sldId="262"/>
+            <ac:spMk id="3" creationId="{C943A4BB-BEB7-4ED5-8608-D75DAC8A85EE}"/>
+          </ac:spMkLst>
+        </pc:spChg>
+      </pc:sldChg>
+      <pc:sldChg chg="modSp">
+        <pc:chgData name="Moritz Spiller" userId="ee7d68fad518d8d2" providerId="LiveId" clId="{ADF8F89C-5D3F-4B4C-AD0C-8E399D11AB51}" dt="2018-04-13T10:48:20.609" v="294" actId="790"/>
+        <pc:sldMkLst>
+          <pc:docMk/>
+          <pc:sldMk cId="3077611985" sldId="263"/>
+        </pc:sldMkLst>
+        <pc:spChg chg="mod">
+          <ac:chgData name="Moritz Spiller" userId="ee7d68fad518d8d2" providerId="LiveId" clId="{ADF8F89C-5D3F-4B4C-AD0C-8E399D11AB51}" dt="2018-04-13T10:48:20.609" v="294" actId="790"/>
+          <ac:spMkLst>
+            <pc:docMk/>
+            <pc:sldMk cId="3077611985" sldId="263"/>
+            <ac:spMk id="3" creationId="{C943A4BB-BEB7-4ED5-8608-D75DAC8A85EE}"/>
+          </ac:spMkLst>
+        </pc:spChg>
+      </pc:sldChg>
+      <pc:sldChg chg="modSp">
+        <pc:chgData name="Moritz Spiller" userId="ee7d68fad518d8d2" providerId="LiveId" clId="{ADF8F89C-5D3F-4B4C-AD0C-8E399D11AB51}" dt="2018-04-13T10:37:44.389" v="280" actId="20577"/>
+        <pc:sldMkLst>
+          <pc:docMk/>
+          <pc:sldMk cId="3466993102" sldId="264"/>
+        </pc:sldMkLst>
+        <pc:spChg chg="mod">
+          <ac:chgData name="Moritz Spiller" userId="ee7d68fad518d8d2" providerId="LiveId" clId="{ADF8F89C-5D3F-4B4C-AD0C-8E399D11AB51}" dt="2018-04-13T10:37:44.389" v="280" actId="20577"/>
+          <ac:spMkLst>
+            <pc:docMk/>
+            <pc:sldMk cId="3466993102" sldId="264"/>
+            <ac:spMk id="3" creationId="{5DA88AAB-C7F3-40AF-A471-8DE3DD1C786F}"/>
+          </ac:spMkLst>
+        </pc:spChg>
+      </pc:sldChg>
+      <pc:sldChg chg="addSp delSp modSp add">
+        <pc:chgData name="Moritz Spiller" userId="ee7d68fad518d8d2" providerId="LiveId" clId="{ADF8F89C-5D3F-4B4C-AD0C-8E399D11AB51}" dt="2018-04-13T10:47:59.765" v="293" actId="1038"/>
+        <pc:sldMkLst>
+          <pc:docMk/>
+          <pc:sldMk cId="3671220426" sldId="265"/>
+        </pc:sldMkLst>
+        <pc:spChg chg="add del mod">
+          <ac:chgData name="Moritz Spiller" userId="ee7d68fad518d8d2" providerId="LiveId" clId="{ADF8F89C-5D3F-4B4C-AD0C-8E399D11AB51}" dt="2018-04-13T10:39:14.281" v="288" actId="478"/>
+          <ac:spMkLst>
+            <pc:docMk/>
+            <pc:sldMk cId="3671220426" sldId="265"/>
+            <ac:spMk id="3" creationId="{0DF98151-382D-44CE-955C-DBF6E5AF321C}"/>
+          </ac:spMkLst>
+        </pc:spChg>
+        <pc:spChg chg="mod">
+          <ac:chgData name="Moritz Spiller" userId="ee7d68fad518d8d2" providerId="LiveId" clId="{ADF8F89C-5D3F-4B4C-AD0C-8E399D11AB51}" dt="2018-04-13T10:39:06.309" v="286" actId="20577"/>
+          <ac:spMkLst>
+            <pc:docMk/>
+            <pc:sldMk cId="3671220426" sldId="265"/>
+            <ac:spMk id="4" creationId="{00000000-0000-0000-0000-000000000000}"/>
+          </ac:spMkLst>
+        </pc:spChg>
+        <pc:spChg chg="del">
+          <ac:chgData name="Moritz Spiller" userId="ee7d68fad518d8d2" providerId="LiveId" clId="{ADF8F89C-5D3F-4B4C-AD0C-8E399D11AB51}" dt="2018-04-13T10:39:10.764" v="287" actId="478"/>
+          <ac:spMkLst>
+            <pc:docMk/>
+            <pc:sldMk cId="3671220426" sldId="265"/>
+            <ac:spMk id="5" creationId="{00000000-0000-0000-0000-000000000000}"/>
+          </ac:spMkLst>
+        </pc:spChg>
+        <pc:picChg chg="add mod">
+          <ac:chgData name="Moritz Spiller" userId="ee7d68fad518d8d2" providerId="LiveId" clId="{ADF8F89C-5D3F-4B4C-AD0C-8E399D11AB51}" dt="2018-04-13T10:47:59.765" v="293" actId="1038"/>
+          <ac:picMkLst>
+            <pc:docMk/>
+            <pc:sldMk cId="3671220426" sldId="265"/>
+            <ac:picMk id="7" creationId="{AE92C762-BE87-439E-B310-653249A2426C}"/>
           </ac:picMkLst>
         </pc:picChg>
       </pc:sldChg>
@@ -3847,6 +3947,113 @@
 </p:sld>
 </file>
 
+<file path=ppt/slides/slide10.xml><?xml version="1.0" encoding="utf-8"?>
+<p:sld xmlns:a="http://schemas.openxmlformats.org/drawingml/2006/main" xmlns:r="http://schemas.openxmlformats.org/officeDocument/2006/relationships" xmlns:p="http://schemas.openxmlformats.org/presentationml/2006/main">
+  <p:cSld>
+    <p:spTree>
+      <p:nvGrpSpPr>
+        <p:cNvPr id="1" name=""/>
+        <p:cNvGrpSpPr/>
+        <p:nvPr/>
+      </p:nvGrpSpPr>
+      <p:grpSpPr>
+        <a:xfrm>
+          <a:off x="0" y="0"/>
+          <a:ext cx="0" cy="0"/>
+          <a:chOff x="0" y="0"/>
+          <a:chExt cx="0" cy="0"/>
+        </a:xfrm>
+      </p:grpSpPr>
+      <p:sp>
+        <p:nvSpPr>
+          <p:cNvPr id="3" name="Textfeld 2">
+            <a:extLst>
+              <a:ext uri="{FF2B5EF4-FFF2-40B4-BE49-F238E27FC236}">
+                <a16:creationId xmlns:a16="http://schemas.microsoft.com/office/drawing/2014/main" id="{8C067A40-4FA4-4802-88BC-63AC01FF547C}"/>
+              </a:ext>
+            </a:extLst>
+          </p:cNvPr>
+          <p:cNvSpPr txBox="1"/>
+          <p:nvPr/>
+        </p:nvSpPr>
+        <p:spPr>
+          <a:xfrm>
+            <a:off x="296260" y="1502815"/>
+            <a:ext cx="8551480" cy="1569660"/>
+          </a:xfrm>
+          <a:prstGeom prst="rect">
+            <a:avLst/>
+          </a:prstGeom>
+          <a:noFill/>
+        </p:spPr>
+        <p:txBody>
+          <a:bodyPr wrap="square" rtlCol="0">
+            <a:spAutoFit/>
+          </a:bodyPr>
+          <a:lstStyle/>
+          <a:p>
+            <a:r>
+              <a:rPr lang="de-DE" sz="3200" dirty="0">
+                <a:solidFill>
+                  <a:schemeClr val="bg1"/>
+                </a:solidFill>
+              </a:rPr>
+              <a:t>Thank you for your </a:t>
+            </a:r>
+            <a:r>
+              <a:rPr lang="de-DE" sz="3200" dirty="0" err="1">
+                <a:solidFill>
+                  <a:schemeClr val="bg1"/>
+                </a:solidFill>
+              </a:rPr>
+              <a:t>attention</a:t>
+            </a:r>
+            <a:r>
+              <a:rPr lang="de-DE" sz="3200" dirty="0">
+                <a:solidFill>
+                  <a:schemeClr val="bg1"/>
+                </a:solidFill>
+              </a:rPr>
+              <a:t>!</a:t>
+            </a:r>
+          </a:p>
+          <a:p>
+            <a:endParaRPr lang="de-DE" sz="3200" dirty="0">
+              <a:solidFill>
+                <a:schemeClr val="bg1"/>
+              </a:solidFill>
+            </a:endParaRPr>
+          </a:p>
+          <a:p>
+            <a:r>
+              <a:rPr lang="de-DE" sz="3200" dirty="0">
+                <a:solidFill>
+                  <a:schemeClr val="bg1"/>
+                </a:solidFill>
+              </a:rPr>
+              <a:t>Questions?</a:t>
+            </a:r>
+            <a:endParaRPr lang="en-US" sz="3200" dirty="0">
+              <a:solidFill>
+                <a:schemeClr val="bg1"/>
+              </a:solidFill>
+            </a:endParaRPr>
+          </a:p>
+        </p:txBody>
+      </p:sp>
+    </p:spTree>
+    <p:extLst>
+      <p:ext uri="{BB962C8B-B14F-4D97-AF65-F5344CB8AC3E}">
+        <p14:creationId xmlns:p14="http://schemas.microsoft.com/office/powerpoint/2010/main" val="1926067541"/>
+      </p:ext>
+    </p:extLst>
+  </p:cSld>
+  <p:clrMapOvr>
+    <a:masterClrMapping/>
+  </p:clrMapOvr>
+</p:sld>
+</file>
+
 <file path=ppt/slides/slide2.xml><?xml version="1.0" encoding="utf-8"?>
 <p:sld xmlns:a="http://schemas.openxmlformats.org/drawingml/2006/main" xmlns:r="http://schemas.openxmlformats.org/officeDocument/2006/relationships" xmlns:p="http://schemas.openxmlformats.org/presentationml/2006/main">
   <p:cSld>
@@ -4063,54 +4270,24 @@
           <a:lstStyle/>
           <a:p>
             <a:r>
-              <a:rPr lang="de-DE" sz="3000" dirty="0"/>
-              <a:t>Experience in </a:t>
-            </a:r>
-            <a:r>
-              <a:rPr lang="de-DE" sz="3000" dirty="0" err="1"/>
-              <a:t>software</a:t>
-            </a:r>
-            <a:r>
-              <a:rPr lang="de-DE" sz="3000" dirty="0"/>
-              <a:t> and requirement </a:t>
-            </a:r>
-            <a:r>
-              <a:rPr lang="de-DE" sz="3000" dirty="0" err="1"/>
-              <a:t>engineering</a:t>
-            </a:r>
-            <a:endParaRPr lang="de-DE" sz="3000" dirty="0"/>
-          </a:p>
-          <a:p>
-            <a:r>
-              <a:rPr lang="de-DE" sz="3000" dirty="0"/>
-              <a:t>Team </a:t>
-            </a:r>
-            <a:r>
-              <a:rPr lang="de-DE" sz="3000" dirty="0" err="1"/>
-              <a:t>work</a:t>
-            </a:r>
-            <a:r>
-              <a:rPr lang="de-DE" sz="3000" dirty="0"/>
-              <a:t> and soft </a:t>
-            </a:r>
-            <a:r>
-              <a:rPr lang="de-DE" sz="3000" dirty="0" err="1"/>
-              <a:t>skills</a:t>
-            </a:r>
-            <a:endParaRPr lang="de-DE" sz="3000" dirty="0"/>
-          </a:p>
-          <a:p>
-            <a:r>
-              <a:rPr lang="de-DE" sz="3000" dirty="0" err="1"/>
-              <a:t>Programming</a:t>
-            </a:r>
-            <a:r>
-              <a:rPr lang="de-DE" sz="3000" dirty="0"/>
-              <a:t> </a:t>
-            </a:r>
-          </a:p>
-          <a:p>
-            <a:endParaRPr lang="en-US" dirty="0"/>
+              <a:rPr lang="en-US" sz="3000"/>
+              <a:t>Experience in software and requirement engineering</a:t>
+            </a:r>
+          </a:p>
+          <a:p>
+            <a:r>
+              <a:rPr lang="en-US" sz="3000"/>
+              <a:t>Team work and soft skills</a:t>
+            </a:r>
+          </a:p>
+          <a:p>
+            <a:r>
+              <a:rPr lang="en-US" sz="3000"/>
+              <a:t>Programming (for Android)</a:t>
+            </a:r>
+          </a:p>
+          <a:p>
+            <a:endParaRPr lang="en-US"/>
           </a:p>
         </p:txBody>
       </p:sp>
@@ -4197,42 +4374,15 @@
           <a:lstStyle/>
           <a:p>
             <a:r>
-              <a:rPr lang="de-DE" sz="3000" dirty="0" err="1"/>
-              <a:t>Everbodies</a:t>
-            </a:r>
-            <a:r>
-              <a:rPr lang="de-DE" sz="3000" dirty="0"/>
-              <a:t> </a:t>
-            </a:r>
-            <a:r>
-              <a:rPr lang="de-DE" sz="3000" dirty="0" err="1"/>
-              <a:t>skills</a:t>
-            </a:r>
-            <a:r>
-              <a:rPr lang="de-DE" sz="3000" dirty="0"/>
-              <a:t> </a:t>
-            </a:r>
-            <a:r>
-              <a:rPr lang="de-DE" sz="3000" dirty="0" err="1"/>
-              <a:t>can</a:t>
-            </a:r>
-            <a:r>
-              <a:rPr lang="de-DE" sz="3000" dirty="0"/>
-              <a:t> </a:t>
-            </a:r>
-            <a:r>
-              <a:rPr lang="de-DE" sz="3000" dirty="0" err="1"/>
-              <a:t>contribute</a:t>
-            </a:r>
-            <a:r>
-              <a:rPr lang="de-DE" sz="3000" dirty="0"/>
-              <a:t>, </a:t>
-            </a:r>
-            <a:r>
-              <a:rPr lang="de-DE" sz="3000" dirty="0" err="1"/>
-              <a:t>blabla</a:t>
-            </a:r>
-            <a:endParaRPr lang="en-US" sz="3000" dirty="0"/>
+              <a:rPr lang="en-US" sz="3000"/>
+              <a:t>All team members have different backgrounds and experiences</a:t>
+            </a:r>
+          </a:p>
+          <a:p>
+            <a:r>
+              <a:rPr lang="en-US" sz="3000"/>
+              <a:t>Exchange knowledge</a:t>
+            </a:r>
           </a:p>
         </p:txBody>
       </p:sp>
@@ -4321,30 +4471,21 @@
           <a:lstStyle/>
           <a:p>
             <a:r>
-              <a:rPr lang="de-DE" sz="3000" dirty="0" err="1"/>
-              <a:t>Slack</a:t>
-            </a:r>
-            <a:r>
-              <a:rPr lang="de-DE" sz="3000" dirty="0"/>
-              <a:t> </a:t>
-            </a:r>
-          </a:p>
-          <a:p>
-            <a:r>
-              <a:rPr lang="de-DE" sz="3000" dirty="0"/>
-              <a:t>Weekly </a:t>
-            </a:r>
-            <a:r>
-              <a:rPr lang="de-DE" sz="3000" dirty="0" err="1"/>
-              <a:t>meetings</a:t>
-            </a:r>
-            <a:endParaRPr lang="de-DE" sz="3000" dirty="0"/>
-          </a:p>
-          <a:p>
-            <a:endParaRPr lang="de-DE" sz="3000" dirty="0"/>
-          </a:p>
-          <a:p>
-            <a:endParaRPr lang="en-US" dirty="0"/>
+              <a:rPr lang="en-US" sz="3000"/>
+              <a:t>Slack </a:t>
+            </a:r>
+          </a:p>
+          <a:p>
+            <a:r>
+              <a:rPr lang="en-US" sz="3000"/>
+              <a:t>Weekly meetings</a:t>
+            </a:r>
+          </a:p>
+          <a:p>
+            <a:endParaRPr lang="en-US" sz="3000"/>
+          </a:p>
+          <a:p>
+            <a:endParaRPr lang="en-US"/>
           </a:p>
         </p:txBody>
       </p:sp>
@@ -4431,54 +4572,15 @@
           <a:lstStyle/>
           <a:p>
             <a:r>
-              <a:rPr lang="de-DE" sz="3000" dirty="0"/>
-              <a:t>How </a:t>
-            </a:r>
-            <a:r>
-              <a:rPr lang="de-DE" sz="3000" dirty="0" err="1"/>
-              <a:t>quickly</a:t>
-            </a:r>
-            <a:r>
-              <a:rPr lang="de-DE" sz="3000" dirty="0"/>
-              <a:t> will </a:t>
-            </a:r>
-            <a:r>
-              <a:rPr lang="de-DE" sz="3000" dirty="0" err="1"/>
-              <a:t>we</a:t>
-            </a:r>
-            <a:r>
-              <a:rPr lang="de-DE" sz="3000" dirty="0"/>
-              <a:t> </a:t>
-            </a:r>
-            <a:r>
-              <a:rPr lang="de-DE" sz="3000" dirty="0" err="1"/>
-              <a:t>adapt</a:t>
-            </a:r>
-            <a:r>
-              <a:rPr lang="de-DE" sz="3000" dirty="0"/>
-              <a:t> to </a:t>
-            </a:r>
-            <a:r>
-              <a:rPr lang="de-DE" sz="3000" dirty="0" err="1"/>
-              <a:t>change</a:t>
-            </a:r>
-            <a:r>
-              <a:rPr lang="de-DE" sz="3000" dirty="0"/>
-              <a:t> -&gt; </a:t>
-            </a:r>
-            <a:r>
-              <a:rPr lang="de-DE" sz="3000" dirty="0" err="1"/>
-              <a:t>look</a:t>
-            </a:r>
-            <a:r>
-              <a:rPr lang="de-DE" sz="3000" dirty="0"/>
-              <a:t> at scrum </a:t>
-            </a:r>
-            <a:r>
-              <a:rPr lang="de-DE" sz="3000" dirty="0" err="1"/>
-              <a:t>notices</a:t>
-            </a:r>
-            <a:endParaRPr lang="en-US" sz="3000" dirty="0"/>
+              <a:rPr lang="en-US" sz="3000" dirty="0"/>
+              <a:t>At least two team members will have knowledge about a specific topic</a:t>
+            </a:r>
+          </a:p>
+          <a:p>
+            <a:r>
+              <a:rPr lang="en-US" sz="3000" dirty="0"/>
+              <a:t>Applying agile methods (Scrum)</a:t>
+            </a:r>
           </a:p>
         </p:txBody>
       </p:sp>
@@ -4619,135 +4721,58 @@
         </p:nvSpPr>
         <p:spPr/>
         <p:txBody>
-          <a:bodyPr/>
-          <a:lstStyle/>
-          <a:p>
-            <a:r>
-              <a:rPr lang="en-US"/>
-              <a:t>Slide Title</a:t>
-            </a:r>
-            <a:endParaRPr lang="en-US" dirty="0"/>
-          </a:p>
-        </p:txBody>
-      </p:sp>
-      <p:sp>
-        <p:nvSpPr>
-          <p:cNvPr id="5" name="Text Placeholder 4"/>
-          <p:cNvSpPr>
-            <a:spLocks noGrp="1"/>
-          </p:cNvSpPr>
-          <p:nvPr>
-            <p:ph type="body" idx="1"/>
-          </p:nvPr>
-        </p:nvSpPr>
-        <p:spPr/>
-        <p:txBody>
-          <a:bodyPr/>
+          <a:bodyPr>
+            <a:normAutofit fontScale="90000"/>
+          </a:bodyPr>
           <a:lstStyle/>
           <a:p>
             <a:r>
               <a:rPr lang="en-US" dirty="0"/>
-              <a:t>Product A</a:t>
-            </a:r>
-          </a:p>
-        </p:txBody>
-      </p:sp>
-      <p:sp>
-        <p:nvSpPr>
-          <p:cNvPr id="6" name="Content Placeholder 5"/>
-          <p:cNvSpPr>
-            <a:spLocks noGrp="1"/>
-          </p:cNvSpPr>
-          <p:nvPr>
-            <p:ph sz="half" idx="2"/>
-          </p:nvPr>
-        </p:nvSpPr>
-        <p:spPr/>
-        <p:txBody>
-          <a:bodyPr/>
-          <a:lstStyle/>
-          <a:p>
-            <a:r>
-              <a:rPr lang="en-US"/>
-              <a:t>Feature 1</a:t>
-            </a:r>
-          </a:p>
-          <a:p>
-            <a:r>
-              <a:rPr lang="en-US"/>
-              <a:t>Feature 2</a:t>
-            </a:r>
-          </a:p>
-          <a:p>
-            <a:r>
-              <a:rPr lang="en-US"/>
-              <a:t>Feature 3</a:t>
-            </a:r>
-            <a:endParaRPr lang="en-US" dirty="0"/>
-          </a:p>
-        </p:txBody>
-      </p:sp>
-      <p:sp>
-        <p:nvSpPr>
-          <p:cNvPr id="7" name="Text Placeholder 6"/>
-          <p:cNvSpPr>
-            <a:spLocks noGrp="1"/>
-          </p:cNvSpPr>
-          <p:nvPr>
-            <p:ph type="body" sz="quarter" idx="3"/>
-          </p:nvPr>
-        </p:nvSpPr>
-        <p:spPr/>
-        <p:txBody>
-          <a:bodyPr/>
-          <a:lstStyle/>
-          <a:p>
-            <a:r>
-              <a:rPr lang="en-US"/>
-              <a:t>Product B</a:t>
-            </a:r>
-            <a:endParaRPr lang="en-US" dirty="0"/>
-          </a:p>
-        </p:txBody>
-      </p:sp>
-      <p:sp>
-        <p:nvSpPr>
-          <p:cNvPr id="8" name="Content Placeholder 7"/>
-          <p:cNvSpPr>
-            <a:spLocks noGrp="1"/>
-          </p:cNvSpPr>
-          <p:nvPr>
-            <p:ph sz="quarter" idx="4"/>
-          </p:nvPr>
-        </p:nvSpPr>
-        <p:spPr/>
-        <p:txBody>
-          <a:bodyPr/>
-          <a:lstStyle/>
-          <a:p>
-            <a:r>
-              <a:rPr lang="en-US"/>
-              <a:t>Feature 1</a:t>
-            </a:r>
-          </a:p>
-          <a:p>
-            <a:r>
-              <a:rPr lang="en-US"/>
-              <a:t>Feature 2</a:t>
-            </a:r>
-          </a:p>
-          <a:p>
-            <a:r>
-              <a:rPr lang="en-US"/>
-              <a:t>Feature 3</a:t>
-            </a:r>
-          </a:p>
-        </p:txBody>
-      </p:sp>
+              <a:t>Scrum</a:t>
+            </a:r>
+          </a:p>
+        </p:txBody>
+      </p:sp>
+      <p:pic>
+        <p:nvPicPr>
+          <p:cNvPr id="7" name="Grafik 6">
+            <a:extLst>
+              <a:ext uri="{FF2B5EF4-FFF2-40B4-BE49-F238E27FC236}">
+                <a16:creationId xmlns:a16="http://schemas.microsoft.com/office/drawing/2014/main" id="{AE92C762-BE87-439E-B310-653249A2426C}"/>
+              </a:ext>
+            </a:extLst>
+          </p:cNvPr>
+          <p:cNvPicPr>
+            <a:picLocks noChangeAspect="1"/>
+          </p:cNvPicPr>
+          <p:nvPr/>
+        </p:nvPicPr>
+        <p:blipFill>
+          <a:blip r:embed="rId2">
+            <a:extLst>
+              <a:ext uri="{28A0092B-C50C-407E-A947-70E740481C1C}">
+                <a14:useLocalDpi xmlns:a14="http://schemas.microsoft.com/office/drawing/2010/main" val="0"/>
+              </a:ext>
+            </a:extLst>
+          </a:blip>
+          <a:stretch>
+            <a:fillRect/>
+          </a:stretch>
+        </p:blipFill>
+        <p:spPr>
+          <a:xfrm>
+            <a:off x="389634" y="1044700"/>
+            <a:ext cx="6778351" cy="3359235"/>
+          </a:xfrm>
+          <a:prstGeom prst="rect">
+            <a:avLst/>
+          </a:prstGeom>
+        </p:spPr>
+      </p:pic>
     </p:spTree>
     <p:extLst>
       <p:ext uri="{BB962C8B-B14F-4D97-AF65-F5344CB8AC3E}">
-        <p14:creationId xmlns:p14="http://schemas.microsoft.com/office/powerpoint/2010/main" val="4170783713"/>
+        <p14:creationId xmlns:p14="http://schemas.microsoft.com/office/powerpoint/2010/main" val="3671220426"/>
       </p:ext>
     </p:extLst>
   </p:cSld>
@@ -4758,7 +4783,7 @@
 </file>
 
 <file path=ppt/slides/slide9.xml><?xml version="1.0" encoding="utf-8"?>
-<p:sld xmlns:a="http://schemas.openxmlformats.org/drawingml/2006/main" xmlns:r="http://schemas.openxmlformats.org/officeDocument/2006/relationships" xmlns:p="http://schemas.openxmlformats.org/presentationml/2006/main">
+<p:sld xmlns:a="http://schemas.openxmlformats.org/drawingml/2006/main" xmlns:r="http://schemas.openxmlformats.org/officeDocument/2006/relationships" xmlns:p="http://schemas.openxmlformats.org/presentationml/2006/main" show="0">
   <p:cSld>
     <p:spTree>
       <p:nvGrpSpPr>
@@ -4776,85 +4801,145 @@
       </p:grpSpPr>
       <p:sp>
         <p:nvSpPr>
-          <p:cNvPr id="3" name="Textfeld 2">
-            <a:extLst>
-              <a:ext uri="{FF2B5EF4-FFF2-40B4-BE49-F238E27FC236}">
-                <a16:creationId xmlns:a16="http://schemas.microsoft.com/office/drawing/2014/main" id="{8C067A40-4FA4-4802-88BC-63AC01FF547C}"/>
-              </a:ext>
-            </a:extLst>
-          </p:cNvPr>
-          <p:cNvSpPr txBox="1"/>
-          <p:nvPr/>
-        </p:nvSpPr>
-        <p:spPr>
-          <a:xfrm>
-            <a:off x="296260" y="1502815"/>
-            <a:ext cx="8551480" cy="1569660"/>
-          </a:xfrm>
-          <a:prstGeom prst="rect">
-            <a:avLst/>
-          </a:prstGeom>
-          <a:noFill/>
-        </p:spPr>
-        <p:txBody>
-          <a:bodyPr wrap="square" rtlCol="0">
-            <a:spAutoFit/>
-          </a:bodyPr>
-          <a:lstStyle/>
-          <a:p>
-            <a:r>
-              <a:rPr lang="de-DE" sz="3200" dirty="0">
-                <a:solidFill>
-                  <a:schemeClr val="bg1"/>
-                </a:solidFill>
-              </a:rPr>
-              <a:t>Thank you for your </a:t>
-            </a:r>
-            <a:r>
-              <a:rPr lang="de-DE" sz="3200" dirty="0" err="1">
-                <a:solidFill>
-                  <a:schemeClr val="bg1"/>
-                </a:solidFill>
-              </a:rPr>
-              <a:t>attention</a:t>
-            </a:r>
-            <a:r>
-              <a:rPr lang="de-DE" sz="3200" dirty="0">
-                <a:solidFill>
-                  <a:schemeClr val="bg1"/>
-                </a:solidFill>
-              </a:rPr>
-              <a:t>!</a:t>
-            </a:r>
-          </a:p>
-          <a:p>
-            <a:endParaRPr lang="de-DE" sz="3200" dirty="0">
-              <a:solidFill>
-                <a:schemeClr val="bg1"/>
-              </a:solidFill>
-            </a:endParaRPr>
-          </a:p>
-          <a:p>
-            <a:r>
-              <a:rPr lang="de-DE" sz="3200" dirty="0">
-                <a:solidFill>
-                  <a:schemeClr val="bg1"/>
-                </a:solidFill>
-              </a:rPr>
-              <a:t>Questions?</a:t>
-            </a:r>
-            <a:endParaRPr lang="en-US" sz="3200" dirty="0">
-              <a:solidFill>
-                <a:schemeClr val="bg1"/>
-              </a:solidFill>
-            </a:endParaRPr>
+          <p:cNvPr id="4" name="Title 3"/>
+          <p:cNvSpPr>
+            <a:spLocks noGrp="1"/>
+          </p:cNvSpPr>
+          <p:nvPr>
+            <p:ph type="title"/>
+          </p:nvPr>
+        </p:nvSpPr>
+        <p:spPr/>
+        <p:txBody>
+          <a:bodyPr/>
+          <a:lstStyle/>
+          <a:p>
+            <a:r>
+              <a:rPr lang="en-US"/>
+              <a:t>Slide Title</a:t>
+            </a:r>
+            <a:endParaRPr lang="en-US" dirty="0"/>
+          </a:p>
+        </p:txBody>
+      </p:sp>
+      <p:sp>
+        <p:nvSpPr>
+          <p:cNvPr id="5" name="Text Placeholder 4"/>
+          <p:cNvSpPr>
+            <a:spLocks noGrp="1"/>
+          </p:cNvSpPr>
+          <p:nvPr>
+            <p:ph type="body" idx="1"/>
+          </p:nvPr>
+        </p:nvSpPr>
+        <p:spPr/>
+        <p:txBody>
+          <a:bodyPr/>
+          <a:lstStyle/>
+          <a:p>
+            <a:r>
+              <a:rPr lang="en-US" dirty="0"/>
+              <a:t>Product A</a:t>
+            </a:r>
+          </a:p>
+        </p:txBody>
+      </p:sp>
+      <p:sp>
+        <p:nvSpPr>
+          <p:cNvPr id="6" name="Content Placeholder 5"/>
+          <p:cNvSpPr>
+            <a:spLocks noGrp="1"/>
+          </p:cNvSpPr>
+          <p:nvPr>
+            <p:ph sz="half" idx="2"/>
+          </p:nvPr>
+        </p:nvSpPr>
+        <p:spPr/>
+        <p:txBody>
+          <a:bodyPr/>
+          <a:lstStyle/>
+          <a:p>
+            <a:r>
+              <a:rPr lang="en-US"/>
+              <a:t>Feature 1</a:t>
+            </a:r>
+          </a:p>
+          <a:p>
+            <a:r>
+              <a:rPr lang="en-US"/>
+              <a:t>Feature 2</a:t>
+            </a:r>
+          </a:p>
+          <a:p>
+            <a:r>
+              <a:rPr lang="en-US"/>
+              <a:t>Feature 3</a:t>
+            </a:r>
+            <a:endParaRPr lang="en-US" dirty="0"/>
+          </a:p>
+        </p:txBody>
+      </p:sp>
+      <p:sp>
+        <p:nvSpPr>
+          <p:cNvPr id="7" name="Text Placeholder 6"/>
+          <p:cNvSpPr>
+            <a:spLocks noGrp="1"/>
+          </p:cNvSpPr>
+          <p:nvPr>
+            <p:ph type="body" sz="quarter" idx="3"/>
+          </p:nvPr>
+        </p:nvSpPr>
+        <p:spPr/>
+        <p:txBody>
+          <a:bodyPr/>
+          <a:lstStyle/>
+          <a:p>
+            <a:r>
+              <a:rPr lang="en-US"/>
+              <a:t>Product B</a:t>
+            </a:r>
+            <a:endParaRPr lang="en-US" dirty="0"/>
+          </a:p>
+        </p:txBody>
+      </p:sp>
+      <p:sp>
+        <p:nvSpPr>
+          <p:cNvPr id="8" name="Content Placeholder 7"/>
+          <p:cNvSpPr>
+            <a:spLocks noGrp="1"/>
+          </p:cNvSpPr>
+          <p:nvPr>
+            <p:ph sz="quarter" idx="4"/>
+          </p:nvPr>
+        </p:nvSpPr>
+        <p:spPr/>
+        <p:txBody>
+          <a:bodyPr/>
+          <a:lstStyle/>
+          <a:p>
+            <a:r>
+              <a:rPr lang="en-US"/>
+              <a:t>Feature 1</a:t>
+            </a:r>
+          </a:p>
+          <a:p>
+            <a:r>
+              <a:rPr lang="en-US"/>
+              <a:t>Feature 2</a:t>
+            </a:r>
+          </a:p>
+          <a:p>
+            <a:r>
+              <a:rPr lang="en-US"/>
+              <a:t>Feature 3</a:t>
+            </a:r>
           </a:p>
         </p:txBody>
       </p:sp>
     </p:spTree>
     <p:extLst>
       <p:ext uri="{BB962C8B-B14F-4D97-AF65-F5344CB8AC3E}">
-        <p14:creationId xmlns:p14="http://schemas.microsoft.com/office/powerpoint/2010/main" val="1926067541"/>
+        <p14:creationId xmlns:p14="http://schemas.microsoft.com/office/powerpoint/2010/main" val="4170783713"/>
       </p:ext>
     </p:extLst>
   </p:cSld>

--- a/Publishments/03_Presentations/01_TeamPresentation.pptx
+++ b/Publishments/03_Presentations/01_TeamPresentation.pptx
@@ -137,22 +137,38 @@
   <pc:docChgLst>
     <pc:chgData name="Moritz Spiller" userId="ee7d68fad518d8d2" providerId="LiveId" clId="{ADF8F89C-5D3F-4B4C-AD0C-8E399D11AB51}"/>
     <pc:docChg chg="undo custSel addSld delSld modSld">
-      <pc:chgData name="Moritz Spiller" userId="ee7d68fad518d8d2" providerId="LiveId" clId="{ADF8F89C-5D3F-4B4C-AD0C-8E399D11AB51}" dt="2018-04-13T10:48:43.256" v="296" actId="790"/>
+      <pc:chgData name="Moritz Spiller" userId="ee7d68fad518d8d2" providerId="LiveId" clId="{ADF8F89C-5D3F-4B4C-AD0C-8E399D11AB51}" dt="2018-04-13T11:10:14.282" v="300" actId="1076"/>
       <pc:docMkLst>
         <pc:docMk/>
       </pc:docMkLst>
       <pc:sldChg chg="addSp delSp modSp add del">
-        <pc:chgData name="Moritz Spiller" userId="ee7d68fad518d8d2" providerId="LiveId" clId="{ADF8F89C-5D3F-4B4C-AD0C-8E399D11AB51}" dt="2018-04-13T09:41:32.449" v="3" actId="478"/>
+        <pc:chgData name="Moritz Spiller" userId="ee7d68fad518d8d2" providerId="LiveId" clId="{ADF8F89C-5D3F-4B4C-AD0C-8E399D11AB51}" dt="2018-04-13T11:10:14.282" v="300" actId="1076"/>
         <pc:sldMkLst>
           <pc:docMk/>
           <pc:sldMk cId="4103309497" sldId="257"/>
         </pc:sldMkLst>
+        <pc:picChg chg="add mod">
+          <ac:chgData name="Moritz Spiller" userId="ee7d68fad518d8d2" providerId="LiveId" clId="{ADF8F89C-5D3F-4B4C-AD0C-8E399D11AB51}" dt="2018-04-13T11:10:14.282" v="300" actId="1076"/>
+          <ac:picMkLst>
+            <pc:docMk/>
+            <pc:sldMk cId="4103309497" sldId="257"/>
+            <ac:picMk id="5" creationId="{3DEC925B-645B-4957-ADEB-0DC34C6AAB77}"/>
+          </ac:picMkLst>
+        </pc:picChg>
         <pc:picChg chg="add del mod">
           <ac:chgData name="Moritz Spiller" userId="ee7d68fad518d8d2" providerId="LiveId" clId="{ADF8F89C-5D3F-4B4C-AD0C-8E399D11AB51}" dt="2018-04-13T09:41:32.449" v="3" actId="478"/>
           <ac:picMkLst>
             <pc:docMk/>
             <pc:sldMk cId="4103309497" sldId="257"/>
             <ac:picMk id="5" creationId="{8C18A098-47A5-48A4-BE38-BFC5E2711EC7}"/>
+          </ac:picMkLst>
+        </pc:picChg>
+        <pc:picChg chg="del">
+          <ac:chgData name="Moritz Spiller" userId="ee7d68fad518d8d2" providerId="LiveId" clId="{ADF8F89C-5D3F-4B4C-AD0C-8E399D11AB51}" dt="2018-04-13T11:09:48.010" v="297" actId="478"/>
+          <ac:picMkLst>
+            <pc:docMk/>
+            <pc:sldMk cId="4103309497" sldId="257"/>
+            <ac:picMk id="11" creationId="{A2FA35AA-792B-4383-98E2-C91045E67A69}"/>
           </ac:picMkLst>
         </pc:picChg>
       </pc:sldChg>
@@ -4155,10 +4171,10 @@
       </p:sp>
       <p:pic>
         <p:nvPicPr>
-          <p:cNvPr id="11" name="Grafik 10">
+          <p:cNvPr id="5" name="Grafik 4" descr="Ein Bild, das Essen, drinnen enthält.&#10;&#10;Mit sehr hoher Zuverlässigkeit generierte Beschreibung">
             <a:extLst>
               <a:ext uri="{FF2B5EF4-FFF2-40B4-BE49-F238E27FC236}">
-                <a16:creationId xmlns:a16="http://schemas.microsoft.com/office/drawing/2014/main" id="{A2FA35AA-792B-4383-98E2-C91045E67A69}"/>
+                <a16:creationId xmlns:a16="http://schemas.microsoft.com/office/drawing/2014/main" id="{3DEC925B-645B-4957-ADEB-0DC34C6AAB77}"/>
               </a:ext>
             </a:extLst>
           </p:cNvPr>
@@ -4181,8 +4197,8 @@
         </p:blipFill>
         <p:spPr>
           <a:xfrm>
-            <a:off x="5883679" y="1350110"/>
-            <a:ext cx="2811354" cy="2571750"/>
+            <a:off x="5640935" y="1502815"/>
+            <a:ext cx="3200677" cy="2133785"/>
           </a:xfrm>
           <a:prstGeom prst="rect">
             <a:avLst/>

--- a/Publishments/03_Presentations/01_TeamPresentation.pptx
+++ b/Publishments/03_Presentations/01_TeamPresentation.pptx
@@ -4,6 +4,9 @@
   <p:sldMasterIdLst>
     <p:sldMasterId id="2147483648" r:id="rId1"/>
   </p:sldMasterIdLst>
+  <p:notesMasterIdLst>
+    <p:notesMasterId r:id="rId12"/>
+  </p:notesMasterIdLst>
   <p:sldIdLst>
     <p:sldId id="256" r:id="rId2"/>
     <p:sldId id="257" r:id="rId3"/>
@@ -137,18 +140,42 @@
   <pc:docChgLst>
     <pc:chgData name="Moritz Spiller" userId="ee7d68fad518d8d2" providerId="LiveId" clId="{ADF8F89C-5D3F-4B4C-AD0C-8E399D11AB51}"/>
     <pc:docChg chg="undo custSel addSld delSld modSld">
-      <pc:chgData name="Moritz Spiller" userId="ee7d68fad518d8d2" providerId="LiveId" clId="{ADF8F89C-5D3F-4B4C-AD0C-8E399D11AB51}" dt="2018-04-13T11:10:14.282" v="300" actId="1076"/>
+      <pc:chgData name="Moritz Spiller" userId="ee7d68fad518d8d2" providerId="LiveId" clId="{ADF8F89C-5D3F-4B4C-AD0C-8E399D11AB51}" dt="2018-04-13T16:43:43.642" v="433" actId="27636"/>
       <pc:docMkLst>
         <pc:docMk/>
       </pc:docMkLst>
       <pc:sldChg chg="addSp delSp modSp add del">
-        <pc:chgData name="Moritz Spiller" userId="ee7d68fad518d8d2" providerId="LiveId" clId="{ADF8F89C-5D3F-4B4C-AD0C-8E399D11AB51}" dt="2018-04-13T11:10:14.282" v="300" actId="1076"/>
+        <pc:chgData name="Moritz Spiller" userId="ee7d68fad518d8d2" providerId="LiveId" clId="{ADF8F89C-5D3F-4B4C-AD0C-8E399D11AB51}" dt="2018-04-13T16:39:19.183" v="350" actId="27636"/>
         <pc:sldMkLst>
           <pc:docMk/>
           <pc:sldMk cId="4103309497" sldId="257"/>
         </pc:sldMkLst>
-        <pc:picChg chg="add mod">
-          <ac:chgData name="Moritz Spiller" userId="ee7d68fad518d8d2" providerId="LiveId" clId="{ADF8F89C-5D3F-4B4C-AD0C-8E399D11AB51}" dt="2018-04-13T11:10:14.282" v="300" actId="1076"/>
+        <pc:spChg chg="mod">
+          <ac:chgData name="Moritz Spiller" userId="ee7d68fad518d8d2" providerId="LiveId" clId="{ADF8F89C-5D3F-4B4C-AD0C-8E399D11AB51}" dt="2018-04-13T16:39:19.183" v="350" actId="27636"/>
+          <ac:spMkLst>
+            <pc:docMk/>
+            <pc:sldMk cId="4103309497" sldId="257"/>
+            <ac:spMk id="2" creationId="{00000000-0000-0000-0000-000000000000}"/>
+          </ac:spMkLst>
+        </pc:spChg>
+        <pc:spChg chg="add del mod">
+          <ac:chgData name="Moritz Spiller" userId="ee7d68fad518d8d2" providerId="LiveId" clId="{ADF8F89C-5D3F-4B4C-AD0C-8E399D11AB51}" dt="2018-04-13T16:37:19.235" v="330" actId="478"/>
+          <ac:spMkLst>
+            <pc:docMk/>
+            <pc:sldMk cId="4103309497" sldId="257"/>
+            <ac:spMk id="7" creationId="{63DF028C-6B5B-42E5-B88C-0F9F4C1BF460}"/>
+          </ac:spMkLst>
+        </pc:spChg>
+        <pc:spChg chg="add mod">
+          <ac:chgData name="Moritz Spiller" userId="ee7d68fad518d8d2" providerId="LiveId" clId="{ADF8F89C-5D3F-4B4C-AD0C-8E399D11AB51}" dt="2018-04-13T16:37:39.580" v="344" actId="403"/>
+          <ac:spMkLst>
+            <pc:docMk/>
+            <pc:sldMk cId="4103309497" sldId="257"/>
+            <ac:spMk id="8" creationId="{50F44FE6-5693-4E05-8245-C26A75E3BF83}"/>
+          </ac:spMkLst>
+        </pc:spChg>
+        <pc:picChg chg="add del mod">
+          <ac:chgData name="Moritz Spiller" userId="ee7d68fad518d8d2" providerId="LiveId" clId="{ADF8F89C-5D3F-4B4C-AD0C-8E399D11AB51}" dt="2018-04-13T16:29:07.697" v="301" actId="478"/>
           <ac:picMkLst>
             <pc:docMk/>
             <pc:sldMk cId="4103309497" sldId="257"/>
@@ -163,6 +190,14 @@
             <ac:picMk id="5" creationId="{8C18A098-47A5-48A4-BE38-BFC5E2711EC7}"/>
           </ac:picMkLst>
         </pc:picChg>
+        <pc:picChg chg="add del mod">
+          <ac:chgData name="Moritz Spiller" userId="ee7d68fad518d8d2" providerId="LiveId" clId="{ADF8F89C-5D3F-4B4C-AD0C-8E399D11AB51}" dt="2018-04-13T16:36:35.686" v="305" actId="478"/>
+          <ac:picMkLst>
+            <pc:docMk/>
+            <pc:sldMk cId="4103309497" sldId="257"/>
+            <ac:picMk id="6" creationId="{E780A45E-C66C-400A-B5F4-5A168FB5F797}"/>
+          </ac:picMkLst>
+        </pc:picChg>
         <pc:picChg chg="del">
           <ac:chgData name="Moritz Spiller" userId="ee7d68fad518d8d2" providerId="LiveId" clId="{ADF8F89C-5D3F-4B4C-AD0C-8E399D11AB51}" dt="2018-04-13T11:09:48.010" v="297" actId="478"/>
           <ac:picMkLst>
@@ -173,11 +208,19 @@
         </pc:picChg>
       </pc:sldChg>
       <pc:sldChg chg="modSp">
-        <pc:chgData name="Moritz Spiller" userId="ee7d68fad518d8d2" providerId="LiveId" clId="{ADF8F89C-5D3F-4B4C-AD0C-8E399D11AB51}" dt="2018-04-13T10:48:43.256" v="296" actId="790"/>
+        <pc:chgData name="Moritz Spiller" userId="ee7d68fad518d8d2" providerId="LiveId" clId="{ADF8F89C-5D3F-4B4C-AD0C-8E399D11AB51}" dt="2018-04-13T16:41:35.138" v="414" actId="27636"/>
         <pc:sldMkLst>
           <pc:docMk/>
           <pc:sldMk cId="376984321" sldId="261"/>
         </pc:sldMkLst>
+        <pc:spChg chg="mod">
+          <ac:chgData name="Moritz Spiller" userId="ee7d68fad518d8d2" providerId="LiveId" clId="{ADF8F89C-5D3F-4B4C-AD0C-8E399D11AB51}" dt="2018-04-13T16:41:35.138" v="414" actId="27636"/>
+          <ac:spMkLst>
+            <pc:docMk/>
+            <pc:sldMk cId="376984321" sldId="261"/>
+            <ac:spMk id="2" creationId="{5DF3E8A9-6FB8-4DB8-8F32-AAE8F422FE4F}"/>
+          </ac:spMkLst>
+        </pc:spChg>
         <pc:spChg chg="mod">
           <ac:chgData name="Moritz Spiller" userId="ee7d68fad518d8d2" providerId="LiveId" clId="{ADF8F89C-5D3F-4B4C-AD0C-8E399D11AB51}" dt="2018-04-13T10:48:43.256" v="296" actId="790"/>
           <ac:spMkLst>
@@ -188,11 +231,19 @@
         </pc:spChg>
       </pc:sldChg>
       <pc:sldChg chg="modSp">
-        <pc:chgData name="Moritz Spiller" userId="ee7d68fad518d8d2" providerId="LiveId" clId="{ADF8F89C-5D3F-4B4C-AD0C-8E399D11AB51}" dt="2018-04-13T10:48:33.278" v="295" actId="790"/>
+        <pc:chgData name="Moritz Spiller" userId="ee7d68fad518d8d2" providerId="LiveId" clId="{ADF8F89C-5D3F-4B4C-AD0C-8E399D11AB51}" dt="2018-04-13T16:40:37.921" v="389" actId="27636"/>
         <pc:sldMkLst>
           <pc:docMk/>
           <pc:sldMk cId="3703689330" sldId="262"/>
         </pc:sldMkLst>
+        <pc:spChg chg="mod">
+          <ac:chgData name="Moritz Spiller" userId="ee7d68fad518d8d2" providerId="LiveId" clId="{ADF8F89C-5D3F-4B4C-AD0C-8E399D11AB51}" dt="2018-04-13T16:40:37.921" v="389" actId="27636"/>
+          <ac:spMkLst>
+            <pc:docMk/>
+            <pc:sldMk cId="3703689330" sldId="262"/>
+            <ac:spMk id="2" creationId="{35A6FF5A-1CAD-47F9-9697-7D9B702B7612}"/>
+          </ac:spMkLst>
+        </pc:spChg>
         <pc:spChg chg="mod">
           <ac:chgData name="Moritz Spiller" userId="ee7d68fad518d8d2" providerId="LiveId" clId="{ADF8F89C-5D3F-4B4C-AD0C-8E399D11AB51}" dt="2018-04-13T10:48:33.278" v="295" actId="790"/>
           <ac:spMkLst>
@@ -203,13 +254,21 @@
         </pc:spChg>
       </pc:sldChg>
       <pc:sldChg chg="modSp">
-        <pc:chgData name="Moritz Spiller" userId="ee7d68fad518d8d2" providerId="LiveId" clId="{ADF8F89C-5D3F-4B4C-AD0C-8E399D11AB51}" dt="2018-04-13T10:48:20.609" v="294" actId="790"/>
+        <pc:chgData name="Moritz Spiller" userId="ee7d68fad518d8d2" providerId="LiveId" clId="{ADF8F89C-5D3F-4B4C-AD0C-8E399D11AB51}" dt="2018-04-13T16:43:43.642" v="433" actId="27636"/>
         <pc:sldMkLst>
           <pc:docMk/>
           <pc:sldMk cId="3077611985" sldId="263"/>
         </pc:sldMkLst>
         <pc:spChg chg="mod">
-          <ac:chgData name="Moritz Spiller" userId="ee7d68fad518d8d2" providerId="LiveId" clId="{ADF8F89C-5D3F-4B4C-AD0C-8E399D11AB51}" dt="2018-04-13T10:48:20.609" v="294" actId="790"/>
+          <ac:chgData name="Moritz Spiller" userId="ee7d68fad518d8d2" providerId="LiveId" clId="{ADF8F89C-5D3F-4B4C-AD0C-8E399D11AB51}" dt="2018-04-13T16:43:43.642" v="433" actId="27636"/>
+          <ac:spMkLst>
+            <pc:docMk/>
+            <pc:sldMk cId="3077611985" sldId="263"/>
+            <ac:spMk id="2" creationId="{35A6FF5A-1CAD-47F9-9697-7D9B702B7612}"/>
+          </ac:spMkLst>
+        </pc:spChg>
+        <pc:spChg chg="mod">
+          <ac:chgData name="Moritz Spiller" userId="ee7d68fad518d8d2" providerId="LiveId" clId="{ADF8F89C-5D3F-4B4C-AD0C-8E399D11AB51}" dt="2018-04-13T16:41:24.990" v="413" actId="5793"/>
           <ac:spMkLst>
             <pc:docMk/>
             <pc:sldMk cId="3077611985" sldId="263"/>
@@ -218,13 +277,21 @@
         </pc:spChg>
       </pc:sldChg>
       <pc:sldChg chg="modSp">
-        <pc:chgData name="Moritz Spiller" userId="ee7d68fad518d8d2" providerId="LiveId" clId="{ADF8F89C-5D3F-4B4C-AD0C-8E399D11AB51}" dt="2018-04-13T10:37:44.389" v="280" actId="20577"/>
+        <pc:chgData name="Moritz Spiller" userId="ee7d68fad518d8d2" providerId="LiveId" clId="{ADF8F89C-5D3F-4B4C-AD0C-8E399D11AB51}" dt="2018-04-13T16:42:42.977" v="432" actId="313"/>
         <pc:sldMkLst>
           <pc:docMk/>
           <pc:sldMk cId="3466993102" sldId="264"/>
         </pc:sldMkLst>
         <pc:spChg chg="mod">
-          <ac:chgData name="Moritz Spiller" userId="ee7d68fad518d8d2" providerId="LiveId" clId="{ADF8F89C-5D3F-4B4C-AD0C-8E399D11AB51}" dt="2018-04-13T10:37:44.389" v="280" actId="20577"/>
+          <ac:chgData name="Moritz Spiller" userId="ee7d68fad518d8d2" providerId="LiveId" clId="{ADF8F89C-5D3F-4B4C-AD0C-8E399D11AB51}" dt="2018-04-13T16:42:42.977" v="432" actId="313"/>
+          <ac:spMkLst>
+            <pc:docMk/>
+            <pc:sldMk cId="3466993102" sldId="264"/>
+            <ac:spMk id="2" creationId="{DCB58423-1D4F-452C-A58C-6E01A41D7DFD}"/>
+          </ac:spMkLst>
+        </pc:spChg>
+        <pc:spChg chg="mod">
+          <ac:chgData name="Moritz Spiller" userId="ee7d68fad518d8d2" providerId="LiveId" clId="{ADF8F89C-5D3F-4B4C-AD0C-8E399D11AB51}" dt="2018-04-13T16:42:35.408" v="431" actId="20577"/>
           <ac:spMkLst>
             <pc:docMk/>
             <pc:sldMk cId="3466993102" sldId="264"/>
@@ -233,11 +300,19 @@
         </pc:spChg>
       </pc:sldChg>
       <pc:sldChg chg="addSp delSp modSp add">
-        <pc:chgData name="Moritz Spiller" userId="ee7d68fad518d8d2" providerId="LiveId" clId="{ADF8F89C-5D3F-4B4C-AD0C-8E399D11AB51}" dt="2018-04-13T10:47:59.765" v="293" actId="1038"/>
+        <pc:chgData name="Moritz Spiller" userId="ee7d68fad518d8d2" providerId="LiveId" clId="{ADF8F89C-5D3F-4B4C-AD0C-8E399D11AB51}" dt="2018-04-13T16:42:00.547" v="428" actId="1037"/>
         <pc:sldMkLst>
           <pc:docMk/>
           <pc:sldMk cId="3671220426" sldId="265"/>
         </pc:sldMkLst>
+        <pc:spChg chg="add del mod">
+          <ac:chgData name="Moritz Spiller" userId="ee7d68fad518d8d2" providerId="LiveId" clId="{ADF8F89C-5D3F-4B4C-AD0C-8E399D11AB51}" dt="2018-04-13T16:41:50.227" v="417" actId="478"/>
+          <ac:spMkLst>
+            <pc:docMk/>
+            <pc:sldMk cId="3671220426" sldId="265"/>
+            <ac:spMk id="2" creationId="{745F20A4-3BD7-42E5-A13C-327A4033CC4C}"/>
+          </ac:spMkLst>
+        </pc:spChg>
         <pc:spChg chg="add del mod">
           <ac:chgData name="Moritz Spiller" userId="ee7d68fad518d8d2" providerId="LiveId" clId="{ADF8F89C-5D3F-4B4C-AD0C-8E399D11AB51}" dt="2018-04-13T10:39:14.281" v="288" actId="478"/>
           <ac:spMkLst>
@@ -247,7 +322,7 @@
           </ac:spMkLst>
         </pc:spChg>
         <pc:spChg chg="mod">
-          <ac:chgData name="Moritz Spiller" userId="ee7d68fad518d8d2" providerId="LiveId" clId="{ADF8F89C-5D3F-4B4C-AD0C-8E399D11AB51}" dt="2018-04-13T10:39:06.309" v="286" actId="20577"/>
+          <ac:chgData name="Moritz Spiller" userId="ee7d68fad518d8d2" providerId="LiveId" clId="{ADF8F89C-5D3F-4B4C-AD0C-8E399D11AB51}" dt="2018-04-13T16:41:45.616" v="416" actId="27636"/>
           <ac:spMkLst>
             <pc:docMk/>
             <pc:sldMk cId="3671220426" sldId="265"/>
@@ -263,7 +338,7 @@
           </ac:spMkLst>
         </pc:spChg>
         <pc:picChg chg="add mod">
-          <ac:chgData name="Moritz Spiller" userId="ee7d68fad518d8d2" providerId="LiveId" clId="{ADF8F89C-5D3F-4B4C-AD0C-8E399D11AB51}" dt="2018-04-13T10:47:59.765" v="293" actId="1038"/>
+          <ac:chgData name="Moritz Spiller" userId="ee7d68fad518d8d2" providerId="LiveId" clId="{ADF8F89C-5D3F-4B4C-AD0C-8E399D11AB51}" dt="2018-04-13T16:42:00.547" v="428" actId="1037"/>
           <ac:picMkLst>
             <pc:docMk/>
             <pc:sldMk cId="3671220426" sldId="265"/>
@@ -483,6 +558,440 @@
     </pc:docChg>
   </pc:docChgLst>
 </pc:chgInfo>
+</file>
+
+<file path=ppt/notesMasters/notesMaster1.xml><?xml version="1.0" encoding="utf-8"?>
+<p:notesMaster xmlns:a="http://schemas.openxmlformats.org/drawingml/2006/main" xmlns:r="http://schemas.openxmlformats.org/officeDocument/2006/relationships" xmlns:p="http://schemas.openxmlformats.org/presentationml/2006/main">
+  <p:cSld>
+    <p:bg>
+      <p:bgRef idx="1001">
+        <a:schemeClr val="bg1"/>
+      </p:bgRef>
+    </p:bg>
+    <p:spTree>
+      <p:nvGrpSpPr>
+        <p:cNvPr id="1" name=""/>
+        <p:cNvGrpSpPr/>
+        <p:nvPr/>
+      </p:nvGrpSpPr>
+      <p:grpSpPr>
+        <a:xfrm>
+          <a:off x="0" y="0"/>
+          <a:ext cx="0" cy="0"/>
+          <a:chOff x="0" y="0"/>
+          <a:chExt cx="0" cy="0"/>
+        </a:xfrm>
+      </p:grpSpPr>
+      <p:sp>
+        <p:nvSpPr>
+          <p:cNvPr id="2" name="Kopfzeilenplatzhalter 1"/>
+          <p:cNvSpPr>
+            <a:spLocks noGrp="1"/>
+          </p:cNvSpPr>
+          <p:nvPr>
+            <p:ph type="hdr" sz="quarter"/>
+          </p:nvPr>
+        </p:nvSpPr>
+        <p:spPr>
+          <a:xfrm>
+            <a:off x="0" y="0"/>
+            <a:ext cx="2971800" cy="458788"/>
+          </a:xfrm>
+          <a:prstGeom prst="rect">
+            <a:avLst/>
+          </a:prstGeom>
+        </p:spPr>
+        <p:txBody>
+          <a:bodyPr vert="horz" lIns="91440" tIns="45720" rIns="91440" bIns="45720" rtlCol="0"/>
+          <a:lstStyle>
+            <a:lvl1pPr algn="l">
+              <a:defRPr sz="1200"/>
+            </a:lvl1pPr>
+          </a:lstStyle>
+          <a:p>
+            <a:endParaRPr lang="en-US"/>
+          </a:p>
+        </p:txBody>
+      </p:sp>
+      <p:sp>
+        <p:nvSpPr>
+          <p:cNvPr id="3" name="Datumsplatzhalter 2"/>
+          <p:cNvSpPr>
+            <a:spLocks noGrp="1"/>
+          </p:cNvSpPr>
+          <p:nvPr>
+            <p:ph type="dt" idx="1"/>
+          </p:nvPr>
+        </p:nvSpPr>
+        <p:spPr>
+          <a:xfrm>
+            <a:off x="3884613" y="0"/>
+            <a:ext cx="2971800" cy="458788"/>
+          </a:xfrm>
+          <a:prstGeom prst="rect">
+            <a:avLst/>
+          </a:prstGeom>
+        </p:spPr>
+        <p:txBody>
+          <a:bodyPr vert="horz" lIns="91440" tIns="45720" rIns="91440" bIns="45720" rtlCol="0"/>
+          <a:lstStyle>
+            <a:lvl1pPr algn="r">
+              <a:defRPr sz="1200"/>
+            </a:lvl1pPr>
+          </a:lstStyle>
+          <a:p>
+            <a:fld id="{1715D416-169F-4C7D-9A97-B9A721101B5F}" type="datetimeFigureOut">
+              <a:rPr lang="en-US" smtClean="0"/>
+              <a:t>4/13/2018</a:t>
+            </a:fld>
+            <a:endParaRPr lang="en-US"/>
+          </a:p>
+        </p:txBody>
+      </p:sp>
+      <p:sp>
+        <p:nvSpPr>
+          <p:cNvPr id="4" name="Folienbildplatzhalter 3"/>
+          <p:cNvSpPr>
+            <a:spLocks noGrp="1" noRot="1" noChangeAspect="1"/>
+          </p:cNvSpPr>
+          <p:nvPr>
+            <p:ph type="sldImg" idx="2"/>
+          </p:nvPr>
+        </p:nvSpPr>
+        <p:spPr>
+          <a:xfrm>
+            <a:off x="685800" y="1143000"/>
+            <a:ext cx="5486400" cy="3086100"/>
+          </a:xfrm>
+          <a:prstGeom prst="rect">
+            <a:avLst/>
+          </a:prstGeom>
+          <a:noFill/>
+          <a:ln w="12700">
+            <a:solidFill>
+              <a:prstClr val="black"/>
+            </a:solidFill>
+          </a:ln>
+        </p:spPr>
+        <p:txBody>
+          <a:bodyPr vert="horz" lIns="91440" tIns="45720" rIns="91440" bIns="45720" rtlCol="0" anchor="ctr"/>
+          <a:lstStyle/>
+          <a:p>
+            <a:endParaRPr lang="en-US"/>
+          </a:p>
+        </p:txBody>
+      </p:sp>
+      <p:sp>
+        <p:nvSpPr>
+          <p:cNvPr id="5" name="Notizenplatzhalter 4"/>
+          <p:cNvSpPr>
+            <a:spLocks noGrp="1"/>
+          </p:cNvSpPr>
+          <p:nvPr>
+            <p:ph type="body" sz="quarter" idx="3"/>
+          </p:nvPr>
+        </p:nvSpPr>
+        <p:spPr>
+          <a:xfrm>
+            <a:off x="685800" y="4400550"/>
+            <a:ext cx="5486400" cy="3600450"/>
+          </a:xfrm>
+          <a:prstGeom prst="rect">
+            <a:avLst/>
+          </a:prstGeom>
+        </p:spPr>
+        <p:txBody>
+          <a:bodyPr vert="horz" lIns="91440" tIns="45720" rIns="91440" bIns="45720" rtlCol="0"/>
+          <a:lstStyle/>
+          <a:p>
+            <a:pPr lvl="0"/>
+            <a:r>
+              <a:rPr lang="de-DE"/>
+              <a:t>Mastertextformat bearbeiten</a:t>
+            </a:r>
+          </a:p>
+          <a:p>
+            <a:pPr lvl="1"/>
+            <a:r>
+              <a:rPr lang="de-DE"/>
+              <a:t>Zweite Ebene</a:t>
+            </a:r>
+          </a:p>
+          <a:p>
+            <a:pPr lvl="2"/>
+            <a:r>
+              <a:rPr lang="de-DE"/>
+              <a:t>Dritte Ebene</a:t>
+            </a:r>
+          </a:p>
+          <a:p>
+            <a:pPr lvl="3"/>
+            <a:r>
+              <a:rPr lang="de-DE"/>
+              <a:t>Vierte Ebene</a:t>
+            </a:r>
+          </a:p>
+          <a:p>
+            <a:pPr lvl="4"/>
+            <a:r>
+              <a:rPr lang="de-DE"/>
+              <a:t>Fünfte Ebene</a:t>
+            </a:r>
+            <a:endParaRPr lang="en-US"/>
+          </a:p>
+        </p:txBody>
+      </p:sp>
+      <p:sp>
+        <p:nvSpPr>
+          <p:cNvPr id="6" name="Fußzeilenplatzhalter 5"/>
+          <p:cNvSpPr>
+            <a:spLocks noGrp="1"/>
+          </p:cNvSpPr>
+          <p:nvPr>
+            <p:ph type="ftr" sz="quarter" idx="4"/>
+          </p:nvPr>
+        </p:nvSpPr>
+        <p:spPr>
+          <a:xfrm>
+            <a:off x="0" y="8685213"/>
+            <a:ext cx="2971800" cy="458787"/>
+          </a:xfrm>
+          <a:prstGeom prst="rect">
+            <a:avLst/>
+          </a:prstGeom>
+        </p:spPr>
+        <p:txBody>
+          <a:bodyPr vert="horz" lIns="91440" tIns="45720" rIns="91440" bIns="45720" rtlCol="0" anchor="b"/>
+          <a:lstStyle>
+            <a:lvl1pPr algn="l">
+              <a:defRPr sz="1200"/>
+            </a:lvl1pPr>
+          </a:lstStyle>
+          <a:p>
+            <a:endParaRPr lang="en-US"/>
+          </a:p>
+        </p:txBody>
+      </p:sp>
+      <p:sp>
+        <p:nvSpPr>
+          <p:cNvPr id="7" name="Foliennummernplatzhalter 6"/>
+          <p:cNvSpPr>
+            <a:spLocks noGrp="1"/>
+          </p:cNvSpPr>
+          <p:nvPr>
+            <p:ph type="sldNum" sz="quarter" idx="5"/>
+          </p:nvPr>
+        </p:nvSpPr>
+        <p:spPr>
+          <a:xfrm>
+            <a:off x="3884613" y="8685213"/>
+            <a:ext cx="2971800" cy="458787"/>
+          </a:xfrm>
+          <a:prstGeom prst="rect">
+            <a:avLst/>
+          </a:prstGeom>
+        </p:spPr>
+        <p:txBody>
+          <a:bodyPr vert="horz" lIns="91440" tIns="45720" rIns="91440" bIns="45720" rtlCol="0" anchor="b"/>
+          <a:lstStyle>
+            <a:lvl1pPr algn="r">
+              <a:defRPr sz="1200"/>
+            </a:lvl1pPr>
+          </a:lstStyle>
+          <a:p>
+            <a:fld id="{82CAC2C4-10C3-4E4D-8B11-F26F83F24C59}" type="slidenum">
+              <a:rPr lang="en-US" smtClean="0"/>
+              <a:t>‹Nr.›</a:t>
+            </a:fld>
+            <a:endParaRPr lang="en-US"/>
+          </a:p>
+        </p:txBody>
+      </p:sp>
+    </p:spTree>
+    <p:extLst>
+      <p:ext uri="{BB962C8B-B14F-4D97-AF65-F5344CB8AC3E}">
+        <p14:creationId xmlns:p14="http://schemas.microsoft.com/office/powerpoint/2010/main" val="4213808363"/>
+      </p:ext>
+    </p:extLst>
+  </p:cSld>
+  <p:clrMap bg1="lt1" tx1="dk1" bg2="lt2" tx2="dk2" accent1="accent1" accent2="accent2" accent3="accent3" accent4="accent4" accent5="accent5" accent6="accent6" hlink="hlink" folHlink="folHlink"/>
+  <p:notesStyle>
+    <a:lvl1pPr marL="0" algn="l" defTabSz="914400" rtl="0" eaLnBrk="1" latinLnBrk="0" hangingPunct="1">
+      <a:defRPr sz="1200" kern="1200">
+        <a:solidFill>
+          <a:schemeClr val="tx1"/>
+        </a:solidFill>
+        <a:latin typeface="+mn-lt"/>
+        <a:ea typeface="+mn-ea"/>
+        <a:cs typeface="+mn-cs"/>
+      </a:defRPr>
+    </a:lvl1pPr>
+    <a:lvl2pPr marL="457200" algn="l" defTabSz="914400" rtl="0" eaLnBrk="1" latinLnBrk="0" hangingPunct="1">
+      <a:defRPr sz="1200" kern="1200">
+        <a:solidFill>
+          <a:schemeClr val="tx1"/>
+        </a:solidFill>
+        <a:latin typeface="+mn-lt"/>
+        <a:ea typeface="+mn-ea"/>
+        <a:cs typeface="+mn-cs"/>
+      </a:defRPr>
+    </a:lvl2pPr>
+    <a:lvl3pPr marL="914400" algn="l" defTabSz="914400" rtl="0" eaLnBrk="1" latinLnBrk="0" hangingPunct="1">
+      <a:defRPr sz="1200" kern="1200">
+        <a:solidFill>
+          <a:schemeClr val="tx1"/>
+        </a:solidFill>
+        <a:latin typeface="+mn-lt"/>
+        <a:ea typeface="+mn-ea"/>
+        <a:cs typeface="+mn-cs"/>
+      </a:defRPr>
+    </a:lvl3pPr>
+    <a:lvl4pPr marL="1371600" algn="l" defTabSz="914400" rtl="0" eaLnBrk="1" latinLnBrk="0" hangingPunct="1">
+      <a:defRPr sz="1200" kern="1200">
+        <a:solidFill>
+          <a:schemeClr val="tx1"/>
+        </a:solidFill>
+        <a:latin typeface="+mn-lt"/>
+        <a:ea typeface="+mn-ea"/>
+        <a:cs typeface="+mn-cs"/>
+      </a:defRPr>
+    </a:lvl4pPr>
+    <a:lvl5pPr marL="1828800" algn="l" defTabSz="914400" rtl="0" eaLnBrk="1" latinLnBrk="0" hangingPunct="1">
+      <a:defRPr sz="1200" kern="1200">
+        <a:solidFill>
+          <a:schemeClr val="tx1"/>
+        </a:solidFill>
+        <a:latin typeface="+mn-lt"/>
+        <a:ea typeface="+mn-ea"/>
+        <a:cs typeface="+mn-cs"/>
+      </a:defRPr>
+    </a:lvl5pPr>
+    <a:lvl6pPr marL="2286000" algn="l" defTabSz="914400" rtl="0" eaLnBrk="1" latinLnBrk="0" hangingPunct="1">
+      <a:defRPr sz="1200" kern="1200">
+        <a:solidFill>
+          <a:schemeClr val="tx1"/>
+        </a:solidFill>
+        <a:latin typeface="+mn-lt"/>
+        <a:ea typeface="+mn-ea"/>
+        <a:cs typeface="+mn-cs"/>
+      </a:defRPr>
+    </a:lvl6pPr>
+    <a:lvl7pPr marL="2743200" algn="l" defTabSz="914400" rtl="0" eaLnBrk="1" latinLnBrk="0" hangingPunct="1">
+      <a:defRPr sz="1200" kern="1200">
+        <a:solidFill>
+          <a:schemeClr val="tx1"/>
+        </a:solidFill>
+        <a:latin typeface="+mn-lt"/>
+        <a:ea typeface="+mn-ea"/>
+        <a:cs typeface="+mn-cs"/>
+      </a:defRPr>
+    </a:lvl7pPr>
+    <a:lvl8pPr marL="3200400" algn="l" defTabSz="914400" rtl="0" eaLnBrk="1" latinLnBrk="0" hangingPunct="1">
+      <a:defRPr sz="1200" kern="1200">
+        <a:solidFill>
+          <a:schemeClr val="tx1"/>
+        </a:solidFill>
+        <a:latin typeface="+mn-lt"/>
+        <a:ea typeface="+mn-ea"/>
+        <a:cs typeface="+mn-cs"/>
+      </a:defRPr>
+    </a:lvl8pPr>
+    <a:lvl9pPr marL="3657600" algn="l" defTabSz="914400" rtl="0" eaLnBrk="1" latinLnBrk="0" hangingPunct="1">
+      <a:defRPr sz="1200" kern="1200">
+        <a:solidFill>
+          <a:schemeClr val="tx1"/>
+        </a:solidFill>
+        <a:latin typeface="+mn-lt"/>
+        <a:ea typeface="+mn-ea"/>
+        <a:cs typeface="+mn-cs"/>
+      </a:defRPr>
+    </a:lvl9pPr>
+  </p:notesStyle>
+</p:notesMaster>
+</file>
+
+<file path=ppt/notesSlides/notesSlide1.xml><?xml version="1.0" encoding="utf-8"?>
+<p:notes xmlns:a="http://schemas.openxmlformats.org/drawingml/2006/main" xmlns:r="http://schemas.openxmlformats.org/officeDocument/2006/relationships" xmlns:p="http://schemas.openxmlformats.org/presentationml/2006/main">
+  <p:cSld>
+    <p:spTree>
+      <p:nvGrpSpPr>
+        <p:cNvPr id="1" name=""/>
+        <p:cNvGrpSpPr/>
+        <p:nvPr/>
+      </p:nvGrpSpPr>
+      <p:grpSpPr>
+        <a:xfrm>
+          <a:off x="0" y="0"/>
+          <a:ext cx="0" cy="0"/>
+          <a:chOff x="0" y="0"/>
+          <a:chExt cx="0" cy="0"/>
+        </a:xfrm>
+      </p:grpSpPr>
+      <p:sp>
+        <p:nvSpPr>
+          <p:cNvPr id="2" name="Folienbildplatzhalter 1"/>
+          <p:cNvSpPr>
+            <a:spLocks noGrp="1" noRot="1" noChangeAspect="1"/>
+          </p:cNvSpPr>
+          <p:nvPr>
+            <p:ph type="sldImg"/>
+          </p:nvPr>
+        </p:nvSpPr>
+        <p:spPr/>
+      </p:sp>
+      <p:sp>
+        <p:nvSpPr>
+          <p:cNvPr id="3" name="Notizenplatzhalter 2"/>
+          <p:cNvSpPr>
+            <a:spLocks noGrp="1"/>
+          </p:cNvSpPr>
+          <p:nvPr>
+            <p:ph type="body" idx="1"/>
+          </p:nvPr>
+        </p:nvSpPr>
+        <p:spPr/>
+        <p:txBody>
+          <a:bodyPr/>
+          <a:lstStyle/>
+          <a:p>
+            <a:endParaRPr lang="en-US" dirty="0"/>
+          </a:p>
+        </p:txBody>
+      </p:sp>
+      <p:sp>
+        <p:nvSpPr>
+          <p:cNvPr id="4" name="Foliennummernplatzhalter 3"/>
+          <p:cNvSpPr>
+            <a:spLocks noGrp="1"/>
+          </p:cNvSpPr>
+          <p:nvPr>
+            <p:ph type="sldNum" sz="quarter" idx="10"/>
+          </p:nvPr>
+        </p:nvSpPr>
+        <p:spPr/>
+        <p:txBody>
+          <a:bodyPr/>
+          <a:lstStyle/>
+          <a:p>
+            <a:fld id="{82CAC2C4-10C3-4E4D-8B11-F26F83F24C59}" type="slidenum">
+              <a:rPr lang="en-US" smtClean="0"/>
+              <a:t>1</a:t>
+            </a:fld>
+            <a:endParaRPr lang="en-US"/>
+          </a:p>
+        </p:txBody>
+      </p:sp>
+    </p:spTree>
+    <p:extLst>
+      <p:ext uri="{BB962C8B-B14F-4D97-AF65-F5344CB8AC3E}">
+        <p14:creationId xmlns:p14="http://schemas.microsoft.com/office/powerpoint/2010/main" val="2621842036"/>
+      </p:ext>
+    </p:extLst>
+  </p:cSld>
+  <p:clrMapOvr>
+    <a:masterClrMapping/>
+  </p:clrMapOvr>
+</p:notes>
 </file>
 
 <file path=ppt/slideLayouts/slideLayout1.xml><?xml version="1.0" encoding="utf-8"?>
@@ -4099,7 +4608,9 @@
         </p:nvSpPr>
         <p:spPr/>
         <p:txBody>
-          <a:bodyPr/>
+          <a:bodyPr>
+            <a:normAutofit/>
+          </a:bodyPr>
           <a:lstStyle/>
           <a:p>
             <a:r>
@@ -4119,12 +4630,7 @@
             <p:ph idx="1"/>
           </p:nvPr>
         </p:nvSpPr>
-        <p:spPr>
-          <a:xfrm>
-            <a:off x="448967" y="1350110"/>
-            <a:ext cx="4428444" cy="3359506"/>
-          </a:xfrm>
-        </p:spPr>
+        <p:spPr/>
         <p:txBody>
           <a:bodyPr/>
           <a:lstStyle/>
@@ -4169,42 +4675,64 @@
           </a:p>
         </p:txBody>
       </p:sp>
-      <p:pic>
-        <p:nvPicPr>
-          <p:cNvPr id="5" name="Grafik 4" descr="Ein Bild, das Essen, drinnen enthält.&#10;&#10;Mit sehr hoher Zuverlässigkeit generierte Beschreibung">
+      <p:sp>
+        <p:nvSpPr>
+          <p:cNvPr id="8" name="Rechteck 7">
             <a:extLst>
               <a:ext uri="{FF2B5EF4-FFF2-40B4-BE49-F238E27FC236}">
-                <a16:creationId xmlns:a16="http://schemas.microsoft.com/office/drawing/2014/main" id="{3DEC925B-645B-4957-ADEB-0DC34C6AAB77}"/>
+                <a16:creationId xmlns:a16="http://schemas.microsoft.com/office/drawing/2014/main" id="{50F44FE6-5693-4E05-8245-C26A75E3BF83}"/>
               </a:ext>
             </a:extLst>
           </p:cNvPr>
-          <p:cNvPicPr>
-            <a:picLocks noChangeAspect="1"/>
-          </p:cNvPicPr>
+          <p:cNvSpPr/>
           <p:nvPr/>
-        </p:nvPicPr>
-        <p:blipFill>
-          <a:blip r:embed="rId2">
-            <a:extLst>
-              <a:ext uri="{28A0092B-C50C-407E-A947-70E740481C1C}">
-                <a14:useLocalDpi xmlns:a14="http://schemas.microsoft.com/office/drawing/2010/main" val="0"/>
-              </a:ext>
-            </a:extLst>
-          </a:blip>
-          <a:stretch>
-            <a:fillRect/>
-          </a:stretch>
-        </p:blipFill>
+        </p:nvSpPr>
         <p:spPr>
           <a:xfrm>
-            <a:off x="5640935" y="1502815"/>
-            <a:ext cx="3200677" cy="2133785"/>
+            <a:off x="5335525" y="1197405"/>
+            <a:ext cx="3512215" cy="3359506"/>
           </a:xfrm>
           <a:prstGeom prst="rect">
             <a:avLst/>
           </a:prstGeom>
         </p:spPr>
-      </p:pic>
+        <p:style>
+          <a:lnRef idx="2">
+            <a:schemeClr val="accent6">
+              <a:shade val="50000"/>
+            </a:schemeClr>
+          </a:lnRef>
+          <a:fillRef idx="1">
+            <a:schemeClr val="accent6"/>
+          </a:fillRef>
+          <a:effectRef idx="0">
+            <a:schemeClr val="accent6"/>
+          </a:effectRef>
+          <a:fontRef idx="minor">
+            <a:schemeClr val="lt1"/>
+          </a:fontRef>
+        </p:style>
+        <p:txBody>
+          <a:bodyPr rtlCol="0" anchor="ctr"/>
+          <a:lstStyle/>
+          <a:p>
+            <a:pPr algn="ctr"/>
+            <a:r>
+              <a:rPr lang="de-DE" sz="4000" b="1" dirty="0">
+                <a:solidFill>
+                  <a:schemeClr val="tx1"/>
+                </a:solidFill>
+              </a:rPr>
+              <a:t>Logo</a:t>
+            </a:r>
+            <a:endParaRPr lang="en-US" b="1" dirty="0">
+              <a:solidFill>
+                <a:schemeClr val="tx1"/>
+              </a:solidFill>
+            </a:endParaRPr>
+          </a:p>
+        </p:txBody>
+      </p:sp>
     </p:spTree>
     <p:extLst>
       <p:ext uri="{BB962C8B-B14F-4D97-AF65-F5344CB8AC3E}">
@@ -4253,7 +4781,9 @@
         </p:nvSpPr>
         <p:spPr/>
         <p:txBody>
-          <a:bodyPr/>
+          <a:bodyPr>
+            <a:normAutofit/>
+          </a:bodyPr>
           <a:lstStyle/>
           <a:p>
             <a:r>
@@ -4355,7 +4885,9 @@
         </p:nvSpPr>
         <p:spPr/>
         <p:txBody>
-          <a:bodyPr/>
+          <a:bodyPr>
+            <a:normAutofit/>
+          </a:bodyPr>
           <a:lstStyle/>
           <a:p>
             <a:r>
@@ -4450,7 +4982,9 @@
         </p:nvSpPr>
         <p:spPr/>
         <p:txBody>
-          <a:bodyPr/>
+          <a:bodyPr>
+            <a:normAutofit/>
+          </a:bodyPr>
           <a:lstStyle/>
           <a:p>
             <a:r>
@@ -4458,10 +4992,9 @@
               <a:t>Team Work - </a:t>
             </a:r>
             <a:r>
-              <a:rPr lang="de-DE" dirty="0" err="1"/>
-              <a:t>Communcation</a:t>
-            </a:r>
-            <a:endParaRPr lang="en-US" dirty="0"/>
+              <a:rPr lang="en-US" dirty="0"/>
+              <a:t>Communication</a:t>
+            </a:r>
           </a:p>
         </p:txBody>
       </p:sp>
@@ -4487,21 +5020,36 @@
           <a:lstStyle/>
           <a:p>
             <a:r>
-              <a:rPr lang="en-US" sz="3000"/>
-              <a:t>Slack </a:t>
-            </a:r>
-          </a:p>
-          <a:p>
-            <a:r>
-              <a:rPr lang="en-US" sz="3000"/>
+              <a:rPr lang="en-US" sz="3000" dirty="0"/>
+              <a:t>Slack</a:t>
+            </a:r>
+          </a:p>
+          <a:p>
+            <a:r>
+              <a:rPr lang="de-DE" sz="3000" dirty="0"/>
+              <a:t>Comment </a:t>
+            </a:r>
+            <a:r>
+              <a:rPr lang="en-US" sz="3000" dirty="0"/>
+              <a:t>user stories on </a:t>
+            </a:r>
+            <a:r>
+              <a:rPr lang="en-US" sz="3000" dirty="0" err="1"/>
+              <a:t>ZenHub</a:t>
+            </a:r>
+            <a:endParaRPr lang="en-US" sz="3000" dirty="0"/>
+          </a:p>
+          <a:p>
+            <a:r>
+              <a:rPr lang="en-US" sz="3000" dirty="0"/>
               <a:t>Weekly meetings</a:t>
             </a:r>
           </a:p>
           <a:p>
-            <a:endParaRPr lang="en-US" sz="3000"/>
-          </a:p>
-          <a:p>
-            <a:endParaRPr lang="en-US"/>
+            <a:endParaRPr lang="en-US" sz="3000" dirty="0"/>
+          </a:p>
+          <a:p>
+            <a:endParaRPr lang="en-US" dirty="0"/>
           </a:p>
         </p:txBody>
       </p:sp>
@@ -4557,10 +5105,9 @@
           <a:lstStyle/>
           <a:p>
             <a:r>
-              <a:rPr lang="de-DE" dirty="0" err="1"/>
-              <a:t>Process</a:t>
-            </a:r>
-            <a:endParaRPr lang="en-US" dirty="0"/>
+              <a:rPr lang="en-US" dirty="0"/>
+              <a:t>Flexibility</a:t>
+            </a:r>
           </a:p>
         </p:txBody>
       </p:sp>
@@ -4738,7 +5285,7 @@
         <p:spPr/>
         <p:txBody>
           <a:bodyPr>
-            <a:normAutofit fontScale="90000"/>
+            <a:normAutofit/>
           </a:bodyPr>
           <a:lstStyle/>
           <a:p>
@@ -4777,7 +5324,7 @@
         </p:blipFill>
         <p:spPr>
           <a:xfrm>
-            <a:off x="389634" y="1044700"/>
+            <a:off x="1212490" y="1350110"/>
             <a:ext cx="6778351" cy="3359235"/>
           </a:xfrm>
           <a:prstGeom prst="rect">
@@ -5248,4 +5795,299 @@
   <a:objectDefaults/>
   <a:extraClrSchemeLst/>
 </a:theme>
+</file>
+
+<file path=ppt/theme/theme2.xml><?xml version="1.0" encoding="utf-8"?>
+<a:theme xmlns:a="http://schemas.openxmlformats.org/drawingml/2006/main" name="Office">
+  <a:themeElements>
+    <a:clrScheme name="Office">
+      <a:dk1>
+        <a:sysClr val="windowText" lastClr="000000"/>
+      </a:dk1>
+      <a:lt1>
+        <a:sysClr val="window" lastClr="FFFFFF"/>
+      </a:lt1>
+      <a:dk2>
+        <a:srgbClr val="44546A"/>
+      </a:dk2>
+      <a:lt2>
+        <a:srgbClr val="E7E6E6"/>
+      </a:lt2>
+      <a:accent1>
+        <a:srgbClr val="4472C4"/>
+      </a:accent1>
+      <a:accent2>
+        <a:srgbClr val="ED7D31"/>
+      </a:accent2>
+      <a:accent3>
+        <a:srgbClr val="A5A5A5"/>
+      </a:accent3>
+      <a:accent4>
+        <a:srgbClr val="FFC000"/>
+      </a:accent4>
+      <a:accent5>
+        <a:srgbClr val="5B9BD5"/>
+      </a:accent5>
+      <a:accent6>
+        <a:srgbClr val="70AD47"/>
+      </a:accent6>
+      <a:hlink>
+        <a:srgbClr val="0563C1"/>
+      </a:hlink>
+      <a:folHlink>
+        <a:srgbClr val="954F72"/>
+      </a:folHlink>
+    </a:clrScheme>
+    <a:fontScheme name="Office">
+      <a:majorFont>
+        <a:latin typeface="Calibri Light" panose="020F0302020204030204"/>
+        <a:ea typeface=""/>
+        <a:cs typeface=""/>
+        <a:font script="Jpan" typeface="游ゴシック Light"/>
+        <a:font script="Hang" typeface="맑은 고딕"/>
+        <a:font script="Hans" typeface="等线 Light"/>
+        <a:font script="Hant" typeface="新細明體"/>
+        <a:font script="Arab" typeface="Times New Roman"/>
+        <a:font script="Hebr" typeface="Times New Roman"/>
+        <a:font script="Thai" typeface="Angsana New"/>
+        <a:font script="Ethi" typeface="Nyala"/>
+        <a:font script="Beng" typeface="Vrinda"/>
+        <a:font script="Gujr" typeface="Shruti"/>
+        <a:font script="Khmr" typeface="MoolBoran"/>
+        <a:font script="Knda" typeface="Tunga"/>
+        <a:font script="Guru" typeface="Raavi"/>
+        <a:font script="Cans" typeface="Euphemia"/>
+        <a:font script="Cher" typeface="Plantagenet Cherokee"/>
+        <a:font script="Yiii" typeface="Microsoft Yi Baiti"/>
+        <a:font script="Tibt" typeface="Microsoft Himalaya"/>
+        <a:font script="Thaa" typeface="MV Boli"/>
+        <a:font script="Deva" typeface="Mangal"/>
+        <a:font script="Telu" typeface="Gautami"/>
+        <a:font script="Taml" typeface="Latha"/>
+        <a:font script="Syrc" typeface="Estrangelo Edessa"/>
+        <a:font script="Orya" typeface="Kalinga"/>
+        <a:font script="Mlym" typeface="Kartika"/>
+        <a:font script="Laoo" typeface="DokChampa"/>
+        <a:font script="Sinh" typeface="Iskoola Pota"/>
+        <a:font script="Mong" typeface="Mongolian Baiti"/>
+        <a:font script="Viet" typeface="Times New Roman"/>
+        <a:font script="Uigh" typeface="Microsoft Uighur"/>
+        <a:font script="Geor" typeface="Sylfaen"/>
+        <a:font script="Armn" typeface="Arial"/>
+        <a:font script="Bugi" typeface="Leelawadee UI"/>
+        <a:font script="Bopo" typeface="Microsoft JhengHei"/>
+        <a:font script="Java" typeface="Javanese Text"/>
+        <a:font script="Lisu" typeface="Segoe UI"/>
+        <a:font script="Mymr" typeface="Myanmar Text"/>
+        <a:font script="Nkoo" typeface="Ebrima"/>
+        <a:font script="Olck" typeface="Nirmala UI"/>
+        <a:font script="Osma" typeface="Ebrima"/>
+        <a:font script="Phag" typeface="Phagspa"/>
+        <a:font script="Syrn" typeface="Estrangelo Edessa"/>
+        <a:font script="Syrj" typeface="Estrangelo Edessa"/>
+        <a:font script="Syre" typeface="Estrangelo Edessa"/>
+        <a:font script="Sora" typeface="Nirmala UI"/>
+        <a:font script="Tale" typeface="Microsoft Tai Le"/>
+        <a:font script="Talu" typeface="Microsoft New Tai Lue"/>
+        <a:font script="Tfng" typeface="Ebrima"/>
+      </a:majorFont>
+      <a:minorFont>
+        <a:latin typeface="Calibri" panose="020F0502020204030204"/>
+        <a:ea typeface=""/>
+        <a:cs typeface=""/>
+        <a:font script="Jpan" typeface="游ゴシック"/>
+        <a:font script="Hang" typeface="맑은 고딕"/>
+        <a:font script="Hans" typeface="等线"/>
+        <a:font script="Hant" typeface="新細明體"/>
+        <a:font script="Arab" typeface="Arial"/>
+        <a:font script="Hebr" typeface="Arial"/>
+        <a:font script="Thai" typeface="Cordia New"/>
+        <a:font script="Ethi" typeface="Nyala"/>
+        <a:font script="Beng" typeface="Vrinda"/>
+        <a:font script="Gujr" typeface="Shruti"/>
+        <a:font script="Khmr" typeface="DaunPenh"/>
+        <a:font script="Knda" typeface="Tunga"/>
+        <a:font script="Guru" typeface="Raavi"/>
+        <a:font script="Cans" typeface="Euphemia"/>
+        <a:font script="Cher" typeface="Plantagenet Cherokee"/>
+        <a:font script="Yiii" typeface="Microsoft Yi Baiti"/>
+        <a:font script="Tibt" typeface="Microsoft Himalaya"/>
+        <a:font script="Thaa" typeface="MV Boli"/>
+        <a:font script="Deva" typeface="Mangal"/>
+        <a:font script="Telu" typeface="Gautami"/>
+        <a:font script="Taml" typeface="Latha"/>
+        <a:font script="Syrc" typeface="Estrangelo Edessa"/>
+        <a:font script="Orya" typeface="Kalinga"/>
+        <a:font script="Mlym" typeface="Kartika"/>
+        <a:font script="Laoo" typeface="DokChampa"/>
+        <a:font script="Sinh" typeface="Iskoola Pota"/>
+        <a:font script="Mong" typeface="Mongolian Baiti"/>
+        <a:font script="Viet" typeface="Arial"/>
+        <a:font script="Uigh" typeface="Microsoft Uighur"/>
+        <a:font script="Geor" typeface="Sylfaen"/>
+        <a:font script="Armn" typeface="Arial"/>
+        <a:font script="Bugi" typeface="Leelawadee UI"/>
+        <a:font script="Bopo" typeface="Microsoft JhengHei"/>
+        <a:font script="Java" typeface="Javanese Text"/>
+        <a:font script="Lisu" typeface="Segoe UI"/>
+        <a:font script="Mymr" typeface="Myanmar Text"/>
+        <a:font script="Nkoo" typeface="Ebrima"/>
+        <a:font script="Olck" typeface="Nirmala UI"/>
+        <a:font script="Osma" typeface="Ebrima"/>
+        <a:font script="Phag" typeface="Phagspa"/>
+        <a:font script="Syrn" typeface="Estrangelo Edessa"/>
+        <a:font script="Syrj" typeface="Estrangelo Edessa"/>
+        <a:font script="Syre" typeface="Estrangelo Edessa"/>
+        <a:font script="Sora" typeface="Nirmala UI"/>
+        <a:font script="Tale" typeface="Microsoft Tai Le"/>
+        <a:font script="Talu" typeface="Microsoft New Tai Lue"/>
+        <a:font script="Tfng" typeface="Ebrima"/>
+      </a:minorFont>
+    </a:fontScheme>
+    <a:fmtScheme name="Office">
+      <a:fillStyleLst>
+        <a:solidFill>
+          <a:schemeClr val="phClr"/>
+        </a:solidFill>
+        <a:gradFill rotWithShape="1">
+          <a:gsLst>
+            <a:gs pos="0">
+              <a:schemeClr val="phClr">
+                <a:lumMod val="110000"/>
+                <a:satMod val="105000"/>
+                <a:tint val="67000"/>
+              </a:schemeClr>
+            </a:gs>
+            <a:gs pos="50000">
+              <a:schemeClr val="phClr">
+                <a:lumMod val="105000"/>
+                <a:satMod val="103000"/>
+                <a:tint val="73000"/>
+              </a:schemeClr>
+            </a:gs>
+            <a:gs pos="100000">
+              <a:schemeClr val="phClr">
+                <a:lumMod val="105000"/>
+                <a:satMod val="109000"/>
+                <a:tint val="81000"/>
+              </a:schemeClr>
+            </a:gs>
+          </a:gsLst>
+          <a:lin ang="5400000" scaled="0"/>
+        </a:gradFill>
+        <a:gradFill rotWithShape="1">
+          <a:gsLst>
+            <a:gs pos="0">
+              <a:schemeClr val="phClr">
+                <a:satMod val="103000"/>
+                <a:lumMod val="102000"/>
+                <a:tint val="94000"/>
+              </a:schemeClr>
+            </a:gs>
+            <a:gs pos="50000">
+              <a:schemeClr val="phClr">
+                <a:satMod val="110000"/>
+                <a:lumMod val="100000"/>
+                <a:shade val="100000"/>
+              </a:schemeClr>
+            </a:gs>
+            <a:gs pos="100000">
+              <a:schemeClr val="phClr">
+                <a:lumMod val="99000"/>
+                <a:satMod val="120000"/>
+                <a:shade val="78000"/>
+              </a:schemeClr>
+            </a:gs>
+          </a:gsLst>
+          <a:lin ang="5400000" scaled="0"/>
+        </a:gradFill>
+      </a:fillStyleLst>
+      <a:lnStyleLst>
+        <a:ln w="6350" cap="flat" cmpd="sng" algn="ctr">
+          <a:solidFill>
+            <a:schemeClr val="phClr"/>
+          </a:solidFill>
+          <a:prstDash val="solid"/>
+          <a:miter lim="800000"/>
+        </a:ln>
+        <a:ln w="12700" cap="flat" cmpd="sng" algn="ctr">
+          <a:solidFill>
+            <a:schemeClr val="phClr"/>
+          </a:solidFill>
+          <a:prstDash val="solid"/>
+          <a:miter lim="800000"/>
+        </a:ln>
+        <a:ln w="19050" cap="flat" cmpd="sng" algn="ctr">
+          <a:solidFill>
+            <a:schemeClr val="phClr"/>
+          </a:solidFill>
+          <a:prstDash val="solid"/>
+          <a:miter lim="800000"/>
+        </a:ln>
+      </a:lnStyleLst>
+      <a:effectStyleLst>
+        <a:effectStyle>
+          <a:effectLst/>
+        </a:effectStyle>
+        <a:effectStyle>
+          <a:effectLst/>
+        </a:effectStyle>
+        <a:effectStyle>
+          <a:effectLst>
+            <a:outerShdw blurRad="57150" dist="19050" dir="5400000" algn="ctr" rotWithShape="0">
+              <a:srgbClr val="000000">
+                <a:alpha val="63000"/>
+              </a:srgbClr>
+            </a:outerShdw>
+          </a:effectLst>
+        </a:effectStyle>
+      </a:effectStyleLst>
+      <a:bgFillStyleLst>
+        <a:solidFill>
+          <a:schemeClr val="phClr"/>
+        </a:solidFill>
+        <a:solidFill>
+          <a:schemeClr val="phClr">
+            <a:tint val="95000"/>
+            <a:satMod val="170000"/>
+          </a:schemeClr>
+        </a:solidFill>
+        <a:gradFill rotWithShape="1">
+          <a:gsLst>
+            <a:gs pos="0">
+              <a:schemeClr val="phClr">
+                <a:tint val="93000"/>
+                <a:satMod val="150000"/>
+                <a:shade val="98000"/>
+                <a:lumMod val="102000"/>
+              </a:schemeClr>
+            </a:gs>
+            <a:gs pos="50000">
+              <a:schemeClr val="phClr">
+                <a:tint val="98000"/>
+                <a:satMod val="130000"/>
+                <a:shade val="90000"/>
+                <a:lumMod val="103000"/>
+              </a:schemeClr>
+            </a:gs>
+            <a:gs pos="100000">
+              <a:schemeClr val="phClr">
+                <a:shade val="63000"/>
+                <a:satMod val="120000"/>
+              </a:schemeClr>
+            </a:gs>
+          </a:gsLst>
+          <a:lin ang="5400000" scaled="0"/>
+        </a:gradFill>
+      </a:bgFillStyleLst>
+    </a:fmtScheme>
+  </a:themeElements>
+  <a:objectDefaults/>
+  <a:extraClrSchemeLst/>
+  <a:extLst>
+    <a:ext uri="{05A4C25C-085E-4340-85A3-A5531E510DB2}">
+      <thm15:themeFamily xmlns:thm15="http://schemas.microsoft.com/office/thememl/2012/main" name="Office Theme" id="{62F939B6-93AF-4DB8-9C6B-D6C7DFDC589F}" vid="{4A3C46E8-61CC-4603-A589-7422A47A8E4A}"/>
+    </a:ext>
+  </a:extLst>
+</a:theme>
 </file>
--- a/Publishments/03_Presentations/01_TeamPresentation.pptx
+++ b/Publishments/03_Presentations/01_TeamPresentation.pptx
@@ -140,12 +140,12 @@
   <pc:docChgLst>
     <pc:chgData name="Moritz Spiller" userId="ee7d68fad518d8d2" providerId="LiveId" clId="{ADF8F89C-5D3F-4B4C-AD0C-8E399D11AB51}"/>
     <pc:docChg chg="undo custSel addSld delSld modSld">
-      <pc:chgData name="Moritz Spiller" userId="ee7d68fad518d8d2" providerId="LiveId" clId="{ADF8F89C-5D3F-4B4C-AD0C-8E399D11AB51}" dt="2018-04-13T16:43:43.642" v="433" actId="27636"/>
+      <pc:chgData name="Moritz Spiller" userId="ee7d68fad518d8d2" providerId="LiveId" clId="{ADF8F89C-5D3F-4B4C-AD0C-8E399D11AB51}" dt="2018-04-13T18:12:30.988" v="463" actId="20577"/>
       <pc:docMkLst>
         <pc:docMk/>
       </pc:docMkLst>
       <pc:sldChg chg="addSp delSp modSp add del">
-        <pc:chgData name="Moritz Spiller" userId="ee7d68fad518d8d2" providerId="LiveId" clId="{ADF8F89C-5D3F-4B4C-AD0C-8E399D11AB51}" dt="2018-04-13T16:39:19.183" v="350" actId="27636"/>
+        <pc:chgData name="Moritz Spiller" userId="ee7d68fad518d8d2" providerId="LiveId" clId="{ADF8F89C-5D3F-4B4C-AD0C-8E399D11AB51}" dt="2018-04-13T18:11:37.057" v="438" actId="1076"/>
         <pc:sldMkLst>
           <pc:docMk/>
           <pc:sldMk cId="4103309497" sldId="257"/>
@@ -166,14 +166,22 @@
             <ac:spMk id="7" creationId="{63DF028C-6B5B-42E5-B88C-0F9F4C1BF460}"/>
           </ac:spMkLst>
         </pc:spChg>
-        <pc:spChg chg="add mod">
-          <ac:chgData name="Moritz Spiller" userId="ee7d68fad518d8d2" providerId="LiveId" clId="{ADF8F89C-5D3F-4B4C-AD0C-8E399D11AB51}" dt="2018-04-13T16:37:39.580" v="344" actId="403"/>
+        <pc:spChg chg="add del mod">
+          <ac:chgData name="Moritz Spiller" userId="ee7d68fad518d8d2" providerId="LiveId" clId="{ADF8F89C-5D3F-4B4C-AD0C-8E399D11AB51}" dt="2018-04-13T18:11:15.532" v="434" actId="478"/>
           <ac:spMkLst>
             <pc:docMk/>
             <pc:sldMk cId="4103309497" sldId="257"/>
             <ac:spMk id="8" creationId="{50F44FE6-5693-4E05-8245-C26A75E3BF83}"/>
           </ac:spMkLst>
         </pc:spChg>
+        <pc:picChg chg="add mod">
+          <ac:chgData name="Moritz Spiller" userId="ee7d68fad518d8d2" providerId="LiveId" clId="{ADF8F89C-5D3F-4B4C-AD0C-8E399D11AB51}" dt="2018-04-13T18:11:37.057" v="438" actId="1076"/>
+          <ac:picMkLst>
+            <pc:docMk/>
+            <pc:sldMk cId="4103309497" sldId="257"/>
+            <ac:picMk id="5" creationId="{E7298296-26F2-4A7F-9E55-7AC714DB3A96}"/>
+          </ac:picMkLst>
+        </pc:picChg>
         <pc:picChg chg="add del mod">
           <ac:chgData name="Moritz Spiller" userId="ee7d68fad518d8d2" providerId="LiveId" clId="{ADF8F89C-5D3F-4B4C-AD0C-8E399D11AB51}" dt="2018-04-13T16:29:07.697" v="301" actId="478"/>
           <ac:picMkLst>
@@ -231,13 +239,13 @@
         </pc:spChg>
       </pc:sldChg>
       <pc:sldChg chg="modSp">
-        <pc:chgData name="Moritz Spiller" userId="ee7d68fad518d8d2" providerId="LiveId" clId="{ADF8F89C-5D3F-4B4C-AD0C-8E399D11AB51}" dt="2018-04-13T16:40:37.921" v="389" actId="27636"/>
+        <pc:chgData name="Moritz Spiller" userId="ee7d68fad518d8d2" providerId="LiveId" clId="{ADF8F89C-5D3F-4B4C-AD0C-8E399D11AB51}" dt="2018-04-13T18:12:30.988" v="463" actId="20577"/>
         <pc:sldMkLst>
           <pc:docMk/>
           <pc:sldMk cId="3703689330" sldId="262"/>
         </pc:sldMkLst>
         <pc:spChg chg="mod">
-          <ac:chgData name="Moritz Spiller" userId="ee7d68fad518d8d2" providerId="LiveId" clId="{ADF8F89C-5D3F-4B4C-AD0C-8E399D11AB51}" dt="2018-04-13T16:40:37.921" v="389" actId="27636"/>
+          <ac:chgData name="Moritz Spiller" userId="ee7d68fad518d8d2" providerId="LiveId" clId="{ADF8F89C-5D3F-4B4C-AD0C-8E399D11AB51}" dt="2018-04-13T18:12:30.988" v="463" actId="20577"/>
           <ac:spMkLst>
             <pc:docMk/>
             <pc:sldMk cId="3703689330" sldId="262"/>
@@ -254,13 +262,13 @@
         </pc:spChg>
       </pc:sldChg>
       <pc:sldChg chg="modSp">
-        <pc:chgData name="Moritz Spiller" userId="ee7d68fad518d8d2" providerId="LiveId" clId="{ADF8F89C-5D3F-4B4C-AD0C-8E399D11AB51}" dt="2018-04-13T16:43:43.642" v="433" actId="27636"/>
+        <pc:chgData name="Moritz Spiller" userId="ee7d68fad518d8d2" providerId="LiveId" clId="{ADF8F89C-5D3F-4B4C-AD0C-8E399D11AB51}" dt="2018-04-13T18:12:19.201" v="439" actId="20577"/>
         <pc:sldMkLst>
           <pc:docMk/>
           <pc:sldMk cId="3077611985" sldId="263"/>
         </pc:sldMkLst>
         <pc:spChg chg="mod">
-          <ac:chgData name="Moritz Spiller" userId="ee7d68fad518d8d2" providerId="LiveId" clId="{ADF8F89C-5D3F-4B4C-AD0C-8E399D11AB51}" dt="2018-04-13T16:43:43.642" v="433" actId="27636"/>
+          <ac:chgData name="Moritz Spiller" userId="ee7d68fad518d8d2" providerId="LiveId" clId="{ADF8F89C-5D3F-4B4C-AD0C-8E399D11AB51}" dt="2018-04-13T18:12:19.201" v="439" actId="20577"/>
           <ac:spMkLst>
             <pc:docMk/>
             <pc:sldMk cId="3077611985" sldId="263"/>
@@ -4675,64 +4683,42 @@
           </a:p>
         </p:txBody>
       </p:sp>
-      <p:sp>
-        <p:nvSpPr>
-          <p:cNvPr id="8" name="Rechteck 7">
+      <p:pic>
+        <p:nvPicPr>
+          <p:cNvPr id="5" name="Grafik 4" descr="Ein Bild, das Text enthält.&#10;&#10;Mit sehr hoher Zuverlässigkeit generierte Beschreibung">
             <a:extLst>
               <a:ext uri="{FF2B5EF4-FFF2-40B4-BE49-F238E27FC236}">
-                <a16:creationId xmlns:a16="http://schemas.microsoft.com/office/drawing/2014/main" id="{50F44FE6-5693-4E05-8245-C26A75E3BF83}"/>
+                <a16:creationId xmlns:a16="http://schemas.microsoft.com/office/drawing/2014/main" id="{E7298296-26F2-4A7F-9E55-7AC714DB3A96}"/>
               </a:ext>
             </a:extLst>
           </p:cNvPr>
-          <p:cNvSpPr/>
+          <p:cNvPicPr>
+            <a:picLocks noChangeAspect="1"/>
+          </p:cNvPicPr>
           <p:nvPr/>
-        </p:nvSpPr>
+        </p:nvPicPr>
+        <p:blipFill>
+          <a:blip r:embed="rId2">
+            <a:extLst>
+              <a:ext uri="{28A0092B-C50C-407E-A947-70E740481C1C}">
+                <a14:useLocalDpi xmlns:a14="http://schemas.microsoft.com/office/drawing/2010/main" val="0"/>
+              </a:ext>
+            </a:extLst>
+          </a:blip>
+          <a:stretch>
+            <a:fillRect/>
+          </a:stretch>
+        </p:blipFill>
         <p:spPr>
           <a:xfrm>
-            <a:off x="5335525" y="1197405"/>
-            <a:ext cx="3512215" cy="3359506"/>
+            <a:off x="5313378" y="1350110"/>
+            <a:ext cx="3381656" cy="2724455"/>
           </a:xfrm>
           <a:prstGeom prst="rect">
             <a:avLst/>
           </a:prstGeom>
         </p:spPr>
-        <p:style>
-          <a:lnRef idx="2">
-            <a:schemeClr val="accent6">
-              <a:shade val="50000"/>
-            </a:schemeClr>
-          </a:lnRef>
-          <a:fillRef idx="1">
-            <a:schemeClr val="accent6"/>
-          </a:fillRef>
-          <a:effectRef idx="0">
-            <a:schemeClr val="accent6"/>
-          </a:effectRef>
-          <a:fontRef idx="minor">
-            <a:schemeClr val="lt1"/>
-          </a:fontRef>
-        </p:style>
-        <p:txBody>
-          <a:bodyPr rtlCol="0" anchor="ctr"/>
-          <a:lstStyle/>
-          <a:p>
-            <a:pPr algn="ctr"/>
-            <a:r>
-              <a:rPr lang="de-DE" sz="4000" b="1" dirty="0">
-                <a:solidFill>
-                  <a:schemeClr val="tx1"/>
-                </a:solidFill>
-              </a:rPr>
-              <a:t>Logo</a:t>
-            </a:r>
-            <a:endParaRPr lang="en-US" b="1" dirty="0">
-              <a:solidFill>
-                <a:schemeClr val="tx1"/>
-              </a:solidFill>
-            </a:endParaRPr>
-          </a:p>
-        </p:txBody>
-      </p:sp>
+      </p:pic>
     </p:spTree>
     <p:extLst>
       <p:ext uri="{BB962C8B-B14F-4D97-AF65-F5344CB8AC3E}">
@@ -4892,7 +4878,7 @@
           <a:p>
             <a:r>
               <a:rPr lang="de-DE" dirty="0"/>
-              <a:t>Team Work – Skills</a:t>
+              <a:t>Team Work - Skills</a:t>
             </a:r>
             <a:endParaRPr lang="en-US" dirty="0"/>
           </a:p>
@@ -4922,13 +4908,13 @@
           <a:lstStyle/>
           <a:p>
             <a:r>
-              <a:rPr lang="en-US" sz="3000"/>
+              <a:rPr lang="en-US" sz="3000" dirty="0"/>
               <a:t>All team members have different backgrounds and experiences</a:t>
             </a:r>
           </a:p>
           <a:p>
             <a:r>
-              <a:rPr lang="en-US" sz="3000"/>
+              <a:rPr lang="en-US" sz="3000" dirty="0"/>
               <a:t>Exchange knowledge</a:t>
             </a:r>
           </a:p>
@@ -4987,10 +4973,6 @@
           </a:bodyPr>
           <a:lstStyle/>
           <a:p>
-            <a:r>
-              <a:rPr lang="de-DE" dirty="0"/>
-              <a:t>Team Work - </a:t>
-            </a:r>
             <a:r>
               <a:rPr lang="en-US" dirty="0"/>
               <a:t>Communication</a:t>
